--- a/PandaSat CONOPS.pptx
+++ b/PandaSat CONOPS.pptx
@@ -226,7 +226,7 @@
           <a:p>
             <a:fld id="{84C57DF8-9E8F-3944-B8E0-9FEDB5AA519F}" type="datetimeFigureOut">
               <a:rPr lang="en-US" smtClean="0"/>
-              <a:t>1/23/19</a:t>
+              <a:t>1/25/19</a:t>
             </a:fld>
             <a:endParaRPr lang="en-US"/>
           </a:p>
@@ -403,7 +403,7 @@
           <a:p>
             <a:fld id="{504F1AD4-B6DD-6847-B384-0866E1E7BB2E}" type="datetimeFigureOut">
               <a:rPr lang="en-US" smtClean="0"/>
-              <a:t>1/23/19</a:t>
+              <a:t>1/24/19</a:t>
             </a:fld>
             <a:endParaRPr lang="en-US"/>
           </a:p>
@@ -719,7 +719,7 @@
           <a:bodyPr/>
           <a:lstStyle/>
           <a:p>
-            <a:endParaRPr lang="en-US"/>
+            <a:endParaRPr lang="en-US" dirty="0"/>
           </a:p>
         </p:txBody>
       </p:sp>
@@ -890,7 +890,7 @@
           <a:p>
             <a:fld id="{0EE1D83E-A37D-442F-80F9-391640578AF1}" type="datetimeFigureOut">
               <a:rPr lang="en-US" smtClean="0"/>
-              <a:t>1/23/19</a:t>
+              <a:t>1/24/19</a:t>
             </a:fld>
             <a:endParaRPr lang="en-US"/>
           </a:p>
@@ -1060,7 +1060,7 @@
           <a:p>
             <a:fld id="{0EE1D83E-A37D-442F-80F9-391640578AF1}" type="datetimeFigureOut">
               <a:rPr lang="en-US" smtClean="0"/>
-              <a:t>1/23/19</a:t>
+              <a:t>1/24/19</a:t>
             </a:fld>
             <a:endParaRPr lang="en-US"/>
           </a:p>
@@ -1240,7 +1240,7 @@
           <a:p>
             <a:fld id="{0EE1D83E-A37D-442F-80F9-391640578AF1}" type="datetimeFigureOut">
               <a:rPr lang="en-US" smtClean="0"/>
-              <a:t>1/23/19</a:t>
+              <a:t>1/24/19</a:t>
             </a:fld>
             <a:endParaRPr lang="en-US"/>
           </a:p>
@@ -1410,7 +1410,7 @@
           <a:p>
             <a:fld id="{0EE1D83E-A37D-442F-80F9-391640578AF1}" type="datetimeFigureOut">
               <a:rPr lang="en-US" smtClean="0"/>
-              <a:t>1/23/19</a:t>
+              <a:t>1/24/19</a:t>
             </a:fld>
             <a:endParaRPr lang="en-US"/>
           </a:p>
@@ -1656,7 +1656,7 @@
           <a:p>
             <a:fld id="{0EE1D83E-A37D-442F-80F9-391640578AF1}" type="datetimeFigureOut">
               <a:rPr lang="en-US" smtClean="0"/>
-              <a:t>1/23/19</a:t>
+              <a:t>1/24/19</a:t>
             </a:fld>
             <a:endParaRPr lang="en-US"/>
           </a:p>
@@ -1888,7 +1888,7 @@
           <a:p>
             <a:fld id="{0EE1D83E-A37D-442F-80F9-391640578AF1}" type="datetimeFigureOut">
               <a:rPr lang="en-US" smtClean="0"/>
-              <a:t>1/23/19</a:t>
+              <a:t>1/24/19</a:t>
             </a:fld>
             <a:endParaRPr lang="en-US"/>
           </a:p>
@@ -2255,7 +2255,7 @@
           <a:p>
             <a:fld id="{0EE1D83E-A37D-442F-80F9-391640578AF1}" type="datetimeFigureOut">
               <a:rPr lang="en-US" smtClean="0"/>
-              <a:t>1/23/19</a:t>
+              <a:t>1/24/19</a:t>
             </a:fld>
             <a:endParaRPr lang="en-US"/>
           </a:p>
@@ -2373,7 +2373,7 @@
           <a:p>
             <a:fld id="{0EE1D83E-A37D-442F-80F9-391640578AF1}" type="datetimeFigureOut">
               <a:rPr lang="en-US" smtClean="0"/>
-              <a:t>1/23/19</a:t>
+              <a:t>1/24/19</a:t>
             </a:fld>
             <a:endParaRPr lang="en-US"/>
           </a:p>
@@ -2468,7 +2468,7 @@
           <a:p>
             <a:fld id="{0EE1D83E-A37D-442F-80F9-391640578AF1}" type="datetimeFigureOut">
               <a:rPr lang="en-US" smtClean="0"/>
-              <a:t>1/23/19</a:t>
+              <a:t>1/24/19</a:t>
             </a:fld>
             <a:endParaRPr lang="en-US"/>
           </a:p>
@@ -2745,7 +2745,7 @@
           <a:p>
             <a:fld id="{0EE1D83E-A37D-442F-80F9-391640578AF1}" type="datetimeFigureOut">
               <a:rPr lang="en-US" smtClean="0"/>
-              <a:t>1/23/19</a:t>
+              <a:t>1/24/19</a:t>
             </a:fld>
             <a:endParaRPr lang="en-US"/>
           </a:p>
@@ -3002,7 +3002,7 @@
           <a:p>
             <a:fld id="{0EE1D83E-A37D-442F-80F9-391640578AF1}" type="datetimeFigureOut">
               <a:rPr lang="en-US" smtClean="0"/>
-              <a:t>1/23/19</a:t>
+              <a:t>1/24/19</a:t>
             </a:fld>
             <a:endParaRPr lang="en-US"/>
           </a:p>
@@ -3215,7 +3215,7 @@
           <a:p>
             <a:fld id="{0EE1D83E-A37D-442F-80F9-391640578AF1}" type="datetimeFigureOut">
               <a:rPr lang="en-US" smtClean="0"/>
-              <a:t>1/23/19</a:t>
+              <a:t>1/24/19</a:t>
             </a:fld>
             <a:endParaRPr lang="en-US"/>
           </a:p>
@@ -3678,8 +3678,8 @@
         </p:nvSpPr>
         <p:spPr>
           <a:xfrm>
-            <a:off x="8031212" y="1549755"/>
-            <a:ext cx="7949485" cy="6991379"/>
+            <a:off x="5975601" y="1037411"/>
+            <a:ext cx="10005097" cy="7927077"/>
           </a:xfrm>
           <a:prstGeom prst="rect">
             <a:avLst/>
@@ -3888,8 +3888,8 @@
         </p:nvSpPr>
         <p:spPr>
           <a:xfrm>
-            <a:off x="8204227" y="938892"/>
-            <a:ext cx="1659226" cy="334836"/>
+            <a:off x="11262460" y="624064"/>
+            <a:ext cx="2099041" cy="337650"/>
           </a:xfrm>
           <a:prstGeom prst="rect">
             <a:avLst/>
@@ -3917,7 +3917,7 @@
                   <a:srgbClr val="FFFFFF"/>
                 </a:highlight>
               </a:rPr>
-              <a:t>Standby</a:t>
+              <a:t>Baseline Operations </a:t>
             </a:r>
             <a:endParaRPr sz="1859" dirty="0">
               <a:solidFill>
@@ -3937,15 +3937,15 @@
           <p:cNvPr id="76" name="Shape 786"/>
           <p:cNvCxnSpPr>
             <a:cxnSpLocks/>
-            <a:stCxn id="95" idx="2"/>
+            <a:stCxn id="112" idx="2"/>
             <a:endCxn id="114" idx="0"/>
           </p:cNvCxnSpPr>
           <p:nvPr/>
         </p:nvCxnSpPr>
         <p:spPr>
           <a:xfrm>
-            <a:off x="14904813" y="2722531"/>
-            <a:ext cx="2928" cy="177289"/>
+            <a:off x="14653011" y="2683704"/>
+            <a:ext cx="0" cy="232112"/>
           </a:xfrm>
           <a:prstGeom prst="straightConnector1">
             <a:avLst/>
@@ -3981,9 +3981,9 @@
           <p:nvPr/>
         </p:nvCxnSpPr>
         <p:spPr>
-          <a:xfrm flipH="1">
-            <a:off x="14907633" y="3880352"/>
-            <a:ext cx="108" cy="137299"/>
+          <a:xfrm>
+            <a:off x="14653011" y="3896348"/>
+            <a:ext cx="5645" cy="243604"/>
           </a:xfrm>
           <a:prstGeom prst="straightConnector1">
             <a:avLst/>
@@ -4020,7 +4020,7 @@
             <p:spPr>
               <a:xfrm>
                 <a:off x="369750" y="6882394"/>
-                <a:ext cx="2233468" cy="923293"/>
+                <a:ext cx="1973213" cy="923293"/>
               </a:xfrm>
               <a:prstGeom prst="rect">
                 <a:avLst/>
@@ -4100,7 +4100,7 @@
             <p:spPr>
               <a:xfrm>
                 <a:off x="369750" y="6882394"/>
-                <a:ext cx="2233468" cy="923293"/>
+                <a:ext cx="1973213" cy="923293"/>
               </a:xfrm>
               <a:prstGeom prst="rect">
                 <a:avLst/>
@@ -4143,17 +4143,18 @@
       </mc:AlternateContent>
       <p:cxnSp>
         <p:nvCxnSpPr>
-          <p:cNvPr id="70" name="Elbow Connector 30"/>
+          <p:cNvPr id="127" name="Shape 786"/>
           <p:cNvCxnSpPr>
-            <a:stCxn id="107" idx="3"/>
-            <a:endCxn id="90" idx="1"/>
+            <a:cxnSpLocks/>
+            <a:stCxn id="115" idx="2"/>
+            <a:endCxn id="120" idx="0"/>
           </p:cNvCxnSpPr>
           <p:nvPr/>
         </p:nvCxnSpPr>
         <p:spPr>
           <a:xfrm>
-            <a:off x="9794882" y="2194070"/>
-            <a:ext cx="1036566" cy="3305"/>
+            <a:off x="14658656" y="5190265"/>
+            <a:ext cx="766" cy="209826"/>
           </a:xfrm>
           <a:prstGeom prst="straightConnector1">
             <a:avLst/>
@@ -4181,16 +4182,56 @@
       </p:cxnSp>
       <p:cxnSp>
         <p:nvCxnSpPr>
-          <p:cNvPr id="117" name="Shape 786"/>
+          <p:cNvPr id="128" name="Shape 786"/>
           <p:cNvCxnSpPr>
             <a:cxnSpLocks/>
+            <a:stCxn id="120" idx="2"/>
+            <a:endCxn id="121" idx="0"/>
           </p:cNvCxnSpPr>
           <p:nvPr/>
         </p:nvCxnSpPr>
         <p:spPr>
+          <a:xfrm>
+            <a:off x="14659422" y="6579330"/>
+            <a:ext cx="1457" cy="188914"/>
+          </a:xfrm>
+          <a:prstGeom prst="straightConnector1">
+            <a:avLst/>
+          </a:prstGeom>
+          <a:noFill/>
+          <a:ln w="28575" cap="flat" cmpd="sng">
+            <a:solidFill>
+              <a:srgbClr val="002060"/>
+            </a:solidFill>
+            <a:prstDash val="solid"/>
+            <a:round/>
+            <a:headEnd type="none" w="med" len="med"/>
+            <a:tailEnd type="triangle" w="med" len="med"/>
+          </a:ln>
+          <a:effectLst>
+            <a:outerShdw blurRad="50800" dist="38100" dir="2700000" algn="tl" rotWithShape="0">
+              <a:schemeClr val="tx1">
+                <a:lumMod val="50000"/>
+                <a:lumOff val="50000"/>
+                <a:alpha val="40000"/>
+              </a:schemeClr>
+            </a:outerShdw>
+          </a:effectLst>
+        </p:spPr>
+      </p:cxnSp>
+      <p:cxnSp>
+        <p:nvCxnSpPr>
+          <p:cNvPr id="145" name="Shape 786"/>
+          <p:cNvCxnSpPr>
+            <a:stCxn id="133" idx="1"/>
+            <a:endCxn id="143" idx="2"/>
+          </p:cNvCxnSpPr>
+          <p:nvPr/>
+        </p:nvCxnSpPr>
+        <p:spPr>
           <a:xfrm rot="10800000">
-            <a:off x="8980995" y="2634784"/>
-            <a:ext cx="5273921" cy="1858473"/>
+            <a:off x="9681781" y="7818558"/>
+            <a:ext cx="1651156" cy="452247"/>
           </a:xfrm>
           <a:prstGeom prst="bentConnector2">
             <a:avLst/>
@@ -4218,17 +4259,18 @@
       </p:cxnSp>
       <p:cxnSp>
         <p:nvCxnSpPr>
-          <p:cNvPr id="127" name="Shape 786"/>
+          <p:cNvPr id="146" name="Shape 786"/>
           <p:cNvCxnSpPr>
-            <a:stCxn id="115" idx="2"/>
-            <a:endCxn id="120" idx="0"/>
+            <a:cxnSpLocks/>
+            <a:stCxn id="121" idx="1"/>
+            <a:endCxn id="143" idx="3"/>
           </p:cNvCxnSpPr>
           <p:nvPr/>
         </p:nvCxnSpPr>
         <p:spPr>
-          <a:xfrm>
-            <a:off x="14907633" y="5067964"/>
-            <a:ext cx="108" cy="136939"/>
+          <a:xfrm flipH="1">
+            <a:off x="10335386" y="7293401"/>
+            <a:ext cx="3671888" cy="0"/>
           </a:xfrm>
           <a:prstGeom prst="straightConnector1">
             <a:avLst/>
@@ -4256,170 +4298,18 @@
       </p:cxnSp>
       <p:cxnSp>
         <p:nvCxnSpPr>
-          <p:cNvPr id="128" name="Shape 786"/>
+          <p:cNvPr id="149" name="Shape 786"/>
           <p:cNvCxnSpPr>
-            <a:stCxn id="120" idx="2"/>
-            <a:endCxn id="121" idx="0"/>
+            <a:cxnSpLocks/>
+            <a:stCxn id="143" idx="0"/>
+            <a:endCxn id="103" idx="2"/>
           </p:cNvCxnSpPr>
           <p:nvPr/>
         </p:nvCxnSpPr>
         <p:spPr>
-          <a:xfrm flipH="1">
-            <a:off x="14907633" y="6185435"/>
-            <a:ext cx="108" cy="114757"/>
-          </a:xfrm>
-          <a:prstGeom prst="straightConnector1">
-            <a:avLst/>
-          </a:prstGeom>
-          <a:noFill/>
-          <a:ln w="28575" cap="flat" cmpd="sng">
-            <a:solidFill>
-              <a:srgbClr val="002060"/>
-            </a:solidFill>
-            <a:prstDash val="solid"/>
-            <a:round/>
-            <a:headEnd type="none" w="med" len="med"/>
-            <a:tailEnd type="triangle" w="med" len="med"/>
-          </a:ln>
-          <a:effectLst>
-            <a:outerShdw blurRad="50800" dist="38100" dir="2700000" algn="tl" rotWithShape="0">
-              <a:schemeClr val="tx1">
-                <a:lumMod val="50000"/>
-                <a:lumOff val="50000"/>
-                <a:alpha val="40000"/>
-              </a:schemeClr>
-            </a:outerShdw>
-          </a:effectLst>
-        </p:spPr>
-      </p:cxnSp>
-      <p:cxnSp>
-        <p:nvCxnSpPr>
-          <p:cNvPr id="134" name="Shape 786"/>
-          <p:cNvCxnSpPr>
-            <a:stCxn id="121" idx="2"/>
-            <a:endCxn id="133" idx="0"/>
-          </p:cNvCxnSpPr>
-          <p:nvPr/>
-        </p:nvCxnSpPr>
-        <p:spPr>
-          <a:xfrm>
-            <a:off x="14907633" y="7350505"/>
-            <a:ext cx="108" cy="126587"/>
-          </a:xfrm>
-          <a:prstGeom prst="straightConnector1">
-            <a:avLst/>
-          </a:prstGeom>
-          <a:noFill/>
-          <a:ln w="28575" cap="flat" cmpd="sng">
-            <a:solidFill>
-              <a:srgbClr val="FF0000"/>
-            </a:solidFill>
-            <a:prstDash val="solid"/>
-            <a:round/>
-            <a:headEnd type="none" w="med" len="med"/>
-            <a:tailEnd type="triangle" w="med" len="med"/>
-          </a:ln>
-          <a:effectLst>
-            <a:outerShdw blurRad="50800" dist="38100" dir="2700000" algn="tl" rotWithShape="0">
-              <a:schemeClr val="tx1">
-                <a:lumMod val="50000"/>
-                <a:lumOff val="50000"/>
-                <a:alpha val="40000"/>
-              </a:schemeClr>
-            </a:outerShdw>
-          </a:effectLst>
-        </p:spPr>
-      </p:cxnSp>
-      <p:cxnSp>
-        <p:nvCxnSpPr>
-          <p:cNvPr id="145" name="Shape 786"/>
-          <p:cNvCxnSpPr>
-            <a:stCxn id="133" idx="1"/>
-            <a:endCxn id="143" idx="2"/>
-          </p:cNvCxnSpPr>
-          <p:nvPr/>
-        </p:nvCxnSpPr>
-        <p:spPr>
-          <a:xfrm rot="10800000">
-            <a:off x="9955590" y="7344040"/>
-            <a:ext cx="4137375" cy="623318"/>
-          </a:xfrm>
-          <a:prstGeom prst="bentConnector2">
-            <a:avLst/>
-          </a:prstGeom>
-          <a:noFill/>
-          <a:ln w="28575" cap="flat" cmpd="sng">
-            <a:solidFill>
-              <a:srgbClr val="002060"/>
-            </a:solidFill>
-            <a:prstDash val="solid"/>
-            <a:round/>
-            <a:headEnd type="none" w="med" len="med"/>
-            <a:tailEnd type="triangle" w="med" len="med"/>
-          </a:ln>
-          <a:effectLst>
-            <a:outerShdw blurRad="50800" dist="38100" dir="2700000" algn="tl" rotWithShape="0">
-              <a:schemeClr val="tx1">
-                <a:lumMod val="50000"/>
-                <a:lumOff val="50000"/>
-                <a:alpha val="40000"/>
-              </a:schemeClr>
-            </a:outerShdw>
-          </a:effectLst>
-        </p:spPr>
-      </p:cxnSp>
-      <p:cxnSp>
-        <p:nvCxnSpPr>
-          <p:cNvPr id="146" name="Shape 786"/>
-          <p:cNvCxnSpPr>
-            <a:cxnSpLocks/>
-            <a:stCxn id="121" idx="1"/>
-            <a:endCxn id="143" idx="3"/>
-          </p:cNvCxnSpPr>
-          <p:nvPr/>
-        </p:nvCxnSpPr>
-        <p:spPr>
-          <a:xfrm flipH="1" flipV="1">
-            <a:off x="10609194" y="6818884"/>
-            <a:ext cx="3644834" cy="6465"/>
-          </a:xfrm>
-          <a:prstGeom prst="straightConnector1">
-            <a:avLst/>
-          </a:prstGeom>
-          <a:noFill/>
-          <a:ln w="28575" cap="flat" cmpd="sng">
-            <a:solidFill>
-              <a:srgbClr val="002060"/>
-            </a:solidFill>
-            <a:prstDash val="solid"/>
-            <a:round/>
-            <a:headEnd type="none" w="med" len="med"/>
-            <a:tailEnd type="triangle" w="med" len="med"/>
-          </a:ln>
-          <a:effectLst>
-            <a:outerShdw blurRad="50800" dist="38100" dir="2700000" algn="tl" rotWithShape="0">
-              <a:schemeClr val="tx1">
-                <a:lumMod val="50000"/>
-                <a:lumOff val="50000"/>
-                <a:alpha val="40000"/>
-              </a:schemeClr>
-            </a:outerShdw>
-          </a:effectLst>
-        </p:spPr>
-      </p:cxnSp>
-      <p:cxnSp>
-        <p:nvCxnSpPr>
-          <p:cNvPr id="149" name="Shape 786"/>
-          <p:cNvCxnSpPr>
-            <a:stCxn id="143" idx="0"/>
-            <a:endCxn id="107" idx="2"/>
-          </p:cNvCxnSpPr>
-          <p:nvPr/>
-        </p:nvCxnSpPr>
-        <p:spPr>
           <a:xfrm rot="16200000" flipV="1">
-            <a:off x="7663152" y="4001290"/>
-            <a:ext cx="3609392" cy="975482"/>
+            <a:off x="6093684" y="3180147"/>
+            <a:ext cx="4051014" cy="3125180"/>
           </a:xfrm>
           <a:prstGeom prst="bentConnector3">
             <a:avLst>
@@ -4455,7 +4345,7 @@
         </p:nvSpPr>
         <p:spPr>
           <a:xfrm>
-            <a:off x="8643979" y="6489068"/>
+            <a:off x="8388304" y="6984268"/>
             <a:ext cx="523876" cy="307777"/>
           </a:xfrm>
           <a:prstGeom prst="rect">
@@ -4662,8 +4552,8 @@
           </a:p>
         </p:txBody>
       </p:sp>
-      <mc:AlternateContent xmlns:mc="http://schemas.openxmlformats.org/markup-compatibility/2006">
-        <mc:Choice xmlns:a14="http://schemas.microsoft.com/office/drawing/2010/main" Requires="a14">
+      <mc:AlternateContent xmlns:mc="http://schemas.openxmlformats.org/markup-compatibility/2006" xmlns:a14="http://schemas.microsoft.com/office/drawing/2010/main">
+        <mc:Choice Requires="a14">
           <p:sp>
             <p:nvSpPr>
               <p:cNvPr id="10" name="Shape 775"/>
@@ -4776,7 +4666,7 @@
             </p:txBody>
           </p:sp>
         </mc:Choice>
-        <mc:Fallback>
+        <mc:Fallback xmlns="">
           <p:sp>
             <p:nvSpPr>
               <p:cNvPr id="10" name="Shape 775"/>
@@ -4839,7 +4729,7 @@
             </p:nvSpPr>
             <p:spPr>
               <a:xfrm>
-                <a:off x="9931348" y="1978626"/>
+                <a:off x="11413929" y="1981298"/>
                 <a:ext cx="636448" cy="430887"/>
               </a:xfrm>
               <a:prstGeom prst="rect">
@@ -4926,7 +4816,7 @@
             </p:nvSpPr>
             <p:spPr>
               <a:xfrm>
-                <a:off x="9931348" y="1978626"/>
+                <a:off x="11413929" y="1981298"/>
                 <a:ext cx="636448" cy="430887"/>
               </a:xfrm>
               <a:prstGeom prst="rect">
@@ -4977,8 +4867,8 @@
         </p:nvSpPr>
         <p:spPr>
           <a:xfrm>
-            <a:off x="8165330" y="1703803"/>
-            <a:ext cx="1629553" cy="980532"/>
+            <a:off x="7562583" y="2413647"/>
+            <a:ext cx="1445958" cy="980532"/>
           </a:xfrm>
           <a:prstGeom prst="rect">
             <a:avLst/>
@@ -5072,7 +4962,7 @@
         </p:nvSpPr>
         <p:spPr>
           <a:xfrm>
-            <a:off x="14254028" y="6300192"/>
+            <a:off x="14007274" y="6768244"/>
             <a:ext cx="1307210" cy="1050313"/>
           </a:xfrm>
           <a:prstGeom prst="flowChartDecision">
@@ -5130,7 +5020,7 @@
         </p:nvSpPr>
         <p:spPr>
           <a:xfrm>
-            <a:off x="12298240" y="1703803"/>
+            <a:off x="13838234" y="1703172"/>
             <a:ext cx="1629553" cy="980532"/>
           </a:xfrm>
           <a:prstGeom prst="rect">
@@ -5220,7 +5110,7 @@
         </p:nvSpPr>
         <p:spPr>
           <a:xfrm>
-            <a:off x="13934761" y="6488568"/>
+            <a:off x="13679086" y="6768244"/>
             <a:ext cx="523876" cy="307777"/>
           </a:xfrm>
           <a:prstGeom prst="rect">
@@ -5250,7 +5140,7 @@
         </p:nvSpPr>
         <p:spPr>
           <a:xfrm>
-            <a:off x="13924644" y="4203117"/>
+            <a:off x="12991156" y="4391980"/>
             <a:ext cx="523876" cy="307777"/>
           </a:xfrm>
           <a:prstGeom prst="rect">
@@ -5280,7 +5170,7 @@
         </p:nvSpPr>
         <p:spPr>
           <a:xfrm>
-            <a:off x="14947699" y="7206607"/>
+            <a:off x="14870093" y="7664668"/>
             <a:ext cx="523876" cy="307777"/>
           </a:xfrm>
           <a:prstGeom prst="rect">
@@ -5310,7 +5200,7 @@
         </p:nvSpPr>
         <p:spPr>
           <a:xfrm>
-            <a:off x="14981259" y="4901829"/>
+            <a:off x="14725584" y="5112060"/>
             <a:ext cx="523876" cy="307777"/>
           </a:xfrm>
           <a:prstGeom prst="rect">
@@ -5342,7 +5232,7 @@
             </p:nvSpPr>
             <p:spPr>
               <a:xfrm>
-                <a:off x="14092964" y="2899820"/>
+                <a:off x="13838234" y="2915816"/>
                 <a:ext cx="1629553" cy="980532"/>
               </a:xfrm>
               <a:prstGeom prst="rect">
@@ -5459,7 +5349,7 @@
             </p:nvSpPr>
             <p:spPr>
               <a:xfrm>
-                <a:off x="14092964" y="2899820"/>
+                <a:off x="13838234" y="2915816"/>
                 <a:ext cx="1629553" cy="980532"/>
               </a:xfrm>
               <a:prstGeom prst="rect">
@@ -5509,7 +5399,7 @@
         </p:nvSpPr>
         <p:spPr>
           <a:xfrm>
-            <a:off x="14254028" y="4017651"/>
+            <a:off x="14005051" y="4139952"/>
             <a:ext cx="1307210" cy="1050313"/>
           </a:xfrm>
           <a:prstGeom prst="flowChartDecision">
@@ -5577,8 +5467,8 @@
         </p:nvSpPr>
         <p:spPr>
           <a:xfrm>
-            <a:off x="14092964" y="5204903"/>
-            <a:ext cx="1629553" cy="980532"/>
+            <a:off x="13844645" y="5400091"/>
+            <a:ext cx="1629553" cy="1179239"/>
           </a:xfrm>
           <a:prstGeom prst="rect">
             <a:avLst/>
@@ -5690,6 +5580,22 @@
               <a:t>Flash from MRAM</a:t>
             </a:r>
           </a:p>
+          <a:p>
+            <a:pPr algn="ctr">
+              <a:buClr>
+                <a:schemeClr val="dk1"/>
+              </a:buClr>
+              <a:buSzPts val="1100"/>
+            </a:pPr>
+            <a:r>
+              <a:rPr lang="en-US" sz="1000" dirty="0">
+                <a:solidFill>
+                  <a:schemeClr val="dk1"/>
+                </a:solidFill>
+              </a:rPr>
+              <a:t>Send acknowledgement </a:t>
+            </a:r>
+          </a:p>
         </p:txBody>
       </p:sp>
       <p:sp>
@@ -5700,7 +5606,7 @@
         </p:nvSpPr>
         <p:spPr>
           <a:xfrm>
-            <a:off x="14262271" y="6622890"/>
+            <a:off x="14026455" y="7052210"/>
             <a:ext cx="1273463" cy="400110"/>
           </a:xfrm>
           <a:prstGeom prst="rect">
@@ -5731,7 +5637,7 @@
         </p:nvSpPr>
         <p:spPr>
           <a:xfrm>
-            <a:off x="14092964" y="7477092"/>
+            <a:off x="11332937" y="7780538"/>
             <a:ext cx="1629553" cy="980532"/>
           </a:xfrm>
           <a:prstGeom prst="rect">
@@ -5805,7 +5711,7 @@
         </p:nvSpPr>
         <p:spPr>
           <a:xfrm>
-            <a:off x="9301984" y="6293727"/>
+            <a:off x="9028176" y="6768244"/>
             <a:ext cx="1307210" cy="1050313"/>
           </a:xfrm>
           <a:prstGeom prst="flowChartDecision">
@@ -5863,7 +5769,7 @@
         </p:nvSpPr>
         <p:spPr>
           <a:xfrm>
-            <a:off x="9327488" y="6614431"/>
+            <a:off x="9064059" y="7111045"/>
             <a:ext cx="1273463" cy="400110"/>
           </a:xfrm>
           <a:prstGeom prst="rect">
@@ -5880,7 +5786,7 @@
             <a:pPr algn="ctr"/>
             <a:r>
               <a:rPr lang="en-US" sz="1000" b="1" dirty="0"/>
-              <a:t>Payload Operation Requested?</a:t>
+              <a:t>Payload Operation Scheduled?</a:t>
             </a:r>
             <a:endParaRPr lang="en-US" sz="1400" dirty="0"/>
           </a:p>
@@ -5894,7 +5800,7 @@
         </p:nvSpPr>
         <p:spPr>
           <a:xfrm>
-            <a:off x="9539610" y="5982147"/>
+            <a:off x="9171381" y="5989710"/>
             <a:ext cx="523876" cy="307777"/>
           </a:xfrm>
           <a:prstGeom prst="rect">
@@ -6149,7 +6055,7 @@
         </p:nvGrpSpPr>
         <p:grpSpPr>
           <a:xfrm>
-            <a:off x="10831448" y="1672218"/>
+            <a:off x="12371442" y="1671587"/>
             <a:ext cx="1307210" cy="1050313"/>
             <a:chOff x="8596981" y="2766494"/>
             <a:chExt cx="1307210" cy="1050313"/>
@@ -6238,7 +6144,7 @@
               <a:pPr algn="ctr"/>
               <a:r>
                 <a:rPr lang="en-US" sz="1000" b="1" dirty="0"/>
-                <a:t>Battery Voltage above Threshold?</a:t>
+                <a:t>Battery Voltage above threshold?</a:t>
               </a:r>
               <a:endParaRPr lang="en-US" sz="1400" dirty="0"/>
             </a:p>
@@ -6256,8 +6162,8 @@
         </p:nvCxnSpPr>
         <p:spPr>
           <a:xfrm flipV="1">
-            <a:off x="12127335" y="2194070"/>
-            <a:ext cx="170904" cy="3303"/>
+            <a:off x="13667329" y="2193438"/>
+            <a:ext cx="170905" cy="3304"/>
           </a:xfrm>
           <a:prstGeom prst="straightConnector1">
             <a:avLst/>
@@ -6283,53 +6189,24 @@
           </a:effectLst>
         </p:spPr>
       </p:cxnSp>
-      <p:sp>
-        <p:nvSpPr>
-          <p:cNvPr id="98" name="TextBox 97"/>
-          <p:cNvSpPr txBox="1"/>
-          <p:nvPr/>
-        </p:nvSpPr>
-        <p:spPr>
-          <a:xfrm>
-            <a:off x="11856281" y="1808379"/>
-            <a:ext cx="523876" cy="307777"/>
-          </a:xfrm>
-          <a:prstGeom prst="rect">
-            <a:avLst/>
-          </a:prstGeom>
-          <a:noFill/>
-        </p:spPr>
-        <p:txBody>
-          <a:bodyPr wrap="square" rtlCol="0">
-            <a:spAutoFit/>
-          </a:bodyPr>
-          <a:lstStyle/>
-          <a:p>
-            <a:pPr algn="ctr"/>
-            <a:r>
-              <a:rPr lang="en-US" sz="1400" dirty="0"/>
-              <a:t>YES</a:t>
-            </a:r>
-          </a:p>
-        </p:txBody>
-      </p:sp>
       <p:cxnSp>
         <p:nvCxnSpPr>
           <p:cNvPr id="100" name="Shape 786"/>
           <p:cNvCxnSpPr>
+            <a:cxnSpLocks/>
             <a:stCxn id="90" idx="2"/>
-            <a:endCxn id="107" idx="2"/>
+            <a:endCxn id="103" idx="2"/>
           </p:cNvCxnSpPr>
           <p:nvPr/>
         </p:nvCxnSpPr>
         <p:spPr>
           <a:xfrm rot="5400000" flipH="1">
-            <a:off x="10213483" y="1450961"/>
-            <a:ext cx="38195" cy="2504947"/>
+            <a:off x="9788489" y="-514658"/>
+            <a:ext cx="4670" cy="6468446"/>
           </a:xfrm>
           <a:prstGeom prst="bentConnector3">
             <a:avLst>
-              <a:gd name="adj1" fmla="val -598508"/>
+              <a:gd name="adj1" fmla="val -32815161"/>
             </a:avLst>
           </a:prstGeom>
           <a:noFill/>
@@ -6361,7 +6238,7 @@
         </p:nvSpPr>
         <p:spPr>
           <a:xfrm>
-            <a:off x="11490603" y="2582074"/>
+            <a:off x="12581903" y="2837885"/>
             <a:ext cx="523876" cy="307777"/>
           </a:xfrm>
           <a:prstGeom prst="rect">
@@ -6397,7 +6274,7 @@
         </p:nvSpPr>
         <p:spPr>
           <a:xfrm>
-            <a:off x="6146059" y="1701809"/>
+            <a:off x="9264625" y="1067321"/>
             <a:ext cx="1629553" cy="980532"/>
           </a:xfrm>
           <a:prstGeom prst="rect">
@@ -6468,26 +6345,111 @@
           </a:p>
         </p:txBody>
       </p:sp>
+      <p:sp>
+        <p:nvSpPr>
+          <p:cNvPr id="150" name="Shape 775">
+            <a:extLst>
+              <a:ext uri="{FF2B5EF4-FFF2-40B4-BE49-F238E27FC236}">
+                <a16:creationId xmlns:a16="http://schemas.microsoft.com/office/drawing/2014/main" id="{610FCC08-9854-0141-9AB6-8B749D3D1060}"/>
+              </a:ext>
+            </a:extLst>
+          </p:cNvPr>
+          <p:cNvSpPr/>
+          <p:nvPr/>
+        </p:nvSpPr>
+        <p:spPr>
+          <a:xfrm>
+            <a:off x="2824869" y="6795824"/>
+            <a:ext cx="1901060" cy="980532"/>
+          </a:xfrm>
+          <a:prstGeom prst="rect">
+            <a:avLst/>
+          </a:prstGeom>
+          <a:solidFill>
+            <a:schemeClr val="accent6">
+              <a:lumMod val="60000"/>
+              <a:lumOff val="40000"/>
+            </a:schemeClr>
+          </a:solidFill>
+          <a:ln w="9525" cap="flat" cmpd="sng">
+            <a:noFill/>
+            <a:prstDash val="solid"/>
+            <a:round/>
+            <a:headEnd type="none" w="sm" len="sm"/>
+            <a:tailEnd type="none" w="sm" len="sm"/>
+          </a:ln>
+          <a:effectLst>
+            <a:outerShdw blurRad="50800" dist="38100" dir="2700000" algn="tl" rotWithShape="0">
+              <a:prstClr val="black">
+                <a:alpha val="40000"/>
+              </a:prstClr>
+            </a:outerShdw>
+          </a:effectLst>
+        </p:spPr>
+        <p:txBody>
+          <a:bodyPr spcFirstLastPara="1" wrap="square" lIns="94473" tIns="94473" rIns="94473" bIns="94473" anchor="ctr" anchorCtr="0">
+            <a:noAutofit/>
+          </a:bodyPr>
+          <a:lstStyle/>
+          <a:p>
+            <a:pPr algn="ctr">
+              <a:buClr>
+                <a:schemeClr val="dk1"/>
+              </a:buClr>
+              <a:buSzPts val="1100"/>
+            </a:pPr>
+            <a:r>
+              <a:rPr lang="en-US" sz="1600" b="1" dirty="0">
+                <a:solidFill>
+                  <a:schemeClr val="dk1"/>
+                </a:solidFill>
+              </a:rPr>
+              <a:t>Payload On</a:t>
+            </a:r>
+          </a:p>
+          <a:p>
+            <a:pPr algn="ctr">
+              <a:buClr>
+                <a:schemeClr val="dk1"/>
+              </a:buClr>
+              <a:buSzPts val="1100"/>
+            </a:pPr>
+            <a:r>
+              <a:rPr lang="en-US" sz="1111" dirty="0">
+                <a:solidFill>
+                  <a:schemeClr val="dk1"/>
+                </a:solidFill>
+              </a:rPr>
+              <a:t>SDR and Raspberry Pi</a:t>
+            </a:r>
+            <a:endParaRPr sz="1111" dirty="0">
+              <a:solidFill>
+                <a:schemeClr val="dk1"/>
+              </a:solidFill>
+            </a:endParaRPr>
+          </a:p>
+        </p:txBody>
+      </p:sp>
       <p:cxnSp>
         <p:nvCxnSpPr>
-          <p:cNvPr id="68" name="Shape 786">
+          <p:cNvPr id="151" name="Shape 786">
             <a:extLst>
               <a:ext uri="{FF2B5EF4-FFF2-40B4-BE49-F238E27FC236}">
-                <a16:creationId xmlns:a16="http://schemas.microsoft.com/office/drawing/2014/main" id="{C4994F29-BAD6-234D-878D-379E3E545A2D}"/>
+                <a16:creationId xmlns:a16="http://schemas.microsoft.com/office/drawing/2014/main" id="{1195A93D-E273-D147-AA11-7929D9AD010A}"/>
               </a:ext>
             </a:extLst>
           </p:cNvPr>
           <p:cNvCxnSpPr>
             <a:cxnSpLocks/>
-            <a:stCxn id="56" idx="3"/>
-            <a:endCxn id="107" idx="1"/>
+            <a:stCxn id="143" idx="1"/>
+            <a:endCxn id="293" idx="3"/>
           </p:cNvCxnSpPr>
           <p:nvPr/>
         </p:nvCxnSpPr>
         <p:spPr>
-          <a:xfrm>
-            <a:off x="7775612" y="2192075"/>
-            <a:ext cx="389718" cy="1994"/>
+          <a:xfrm flipH="1" flipV="1">
+            <a:off x="7895075" y="7287202"/>
+            <a:ext cx="1133101" cy="6199"/>
           </a:xfrm>
           <a:prstGeom prst="straightConnector1">
             <a:avLst/>
@@ -6495,35 +6457,129 @@
           <a:noFill/>
           <a:ln w="28575" cap="flat" cmpd="sng">
             <a:solidFill>
-              <a:srgbClr val="002060"/>
+              <a:schemeClr val="tx2"/>
             </a:solidFill>
             <a:prstDash val="solid"/>
             <a:round/>
             <a:headEnd type="none" w="med" len="med"/>
             <a:tailEnd type="triangle" w="med" len="med"/>
           </a:ln>
+          <a:effectLst>
+            <a:outerShdw blurRad="50800" dist="38100" dir="2700000" algn="tl" rotWithShape="0">
+              <a:schemeClr val="tx1">
+                <a:lumMod val="50000"/>
+                <a:lumOff val="50000"/>
+                <a:alpha val="40000"/>
+              </a:schemeClr>
+            </a:outerShdw>
+          </a:effectLst>
         </p:spPr>
       </p:cxnSp>
+      <p:sp>
+        <p:nvSpPr>
+          <p:cNvPr id="152" name="Shape 775">
+            <a:extLst>
+              <a:ext uri="{FF2B5EF4-FFF2-40B4-BE49-F238E27FC236}">
+                <a16:creationId xmlns:a16="http://schemas.microsoft.com/office/drawing/2014/main" id="{E731B028-124A-E54B-8513-EFD05637502E}"/>
+              </a:ext>
+            </a:extLst>
+          </p:cNvPr>
+          <p:cNvSpPr/>
+          <p:nvPr/>
+        </p:nvSpPr>
+        <p:spPr>
+          <a:xfrm>
+            <a:off x="2824869" y="4909825"/>
+            <a:ext cx="1901060" cy="980532"/>
+          </a:xfrm>
+          <a:prstGeom prst="rect">
+            <a:avLst/>
+          </a:prstGeom>
+          <a:solidFill>
+            <a:schemeClr val="accent6">
+              <a:lumMod val="60000"/>
+              <a:lumOff val="40000"/>
+            </a:schemeClr>
+          </a:solidFill>
+          <a:ln w="9525" cap="flat" cmpd="sng">
+            <a:noFill/>
+            <a:prstDash val="solid"/>
+            <a:round/>
+            <a:headEnd type="none" w="sm" len="sm"/>
+            <a:tailEnd type="none" w="sm" len="sm"/>
+          </a:ln>
+          <a:effectLst>
+            <a:outerShdw blurRad="50800" dist="38100" dir="2700000" algn="tl" rotWithShape="0">
+              <a:prstClr val="black">
+                <a:alpha val="40000"/>
+              </a:prstClr>
+            </a:outerShdw>
+          </a:effectLst>
+        </p:spPr>
+        <p:txBody>
+          <a:bodyPr spcFirstLastPara="1" wrap="square" lIns="94473" tIns="94473" rIns="94473" bIns="94473" anchor="ctr" anchorCtr="0">
+            <a:noAutofit/>
+          </a:bodyPr>
+          <a:lstStyle/>
+          <a:p>
+            <a:pPr algn="ctr">
+              <a:buClr>
+                <a:schemeClr val="dk1"/>
+              </a:buClr>
+              <a:buSzPts val="1100"/>
+            </a:pPr>
+            <a:r>
+              <a:rPr lang="en-US" sz="1600" b="1" dirty="0">
+                <a:solidFill>
+                  <a:schemeClr val="dk1"/>
+                </a:solidFill>
+              </a:rPr>
+              <a:t>Process and Store Data</a:t>
+            </a:r>
+          </a:p>
+          <a:p>
+            <a:pPr algn="ctr">
+              <a:buClr>
+                <a:schemeClr val="dk1"/>
+              </a:buClr>
+              <a:buSzPts val="1100"/>
+            </a:pPr>
+            <a:r>
+              <a:rPr lang="en-US" sz="1111" dirty="0">
+                <a:solidFill>
+                  <a:schemeClr val="dk1"/>
+                </a:solidFill>
+              </a:rPr>
+              <a:t>From payload</a:t>
+            </a:r>
+            <a:endParaRPr sz="1111" dirty="0">
+              <a:solidFill>
+                <a:schemeClr val="dk1"/>
+              </a:solidFill>
+            </a:endParaRPr>
+          </a:p>
+        </p:txBody>
+      </p:sp>
       <p:cxnSp>
         <p:nvCxnSpPr>
-          <p:cNvPr id="85" name="Elbow Connector 30">
+          <p:cNvPr id="153" name="Shape 786">
             <a:extLst>
               <a:ext uri="{FF2B5EF4-FFF2-40B4-BE49-F238E27FC236}">
-                <a16:creationId xmlns:a16="http://schemas.microsoft.com/office/drawing/2014/main" id="{4A07E41B-061F-2B45-AB6F-345427C7ED03}"/>
+                <a16:creationId xmlns:a16="http://schemas.microsoft.com/office/drawing/2014/main" id="{B14B594C-E3CB-6D4A-901F-9D44C83EE474}"/>
               </a:ext>
             </a:extLst>
           </p:cNvPr>
           <p:cNvCxnSpPr>
             <a:cxnSpLocks/>
-            <a:stCxn id="9" idx="3"/>
-            <a:endCxn id="56" idx="1"/>
+            <a:stCxn id="150" idx="0"/>
+            <a:endCxn id="152" idx="2"/>
           </p:cNvCxnSpPr>
           <p:nvPr/>
         </p:nvCxnSpPr>
         <p:spPr>
           <a:xfrm flipV="1">
-            <a:off x="5718221" y="2192075"/>
-            <a:ext cx="427838" cy="1994"/>
+            <a:off x="3775399" y="5890357"/>
+            <a:ext cx="0" cy="905467"/>
           </a:xfrm>
           <a:prstGeom prst="straightConnector1">
             <a:avLst/>
@@ -6549,12 +6605,164 @@
           </a:effectLst>
         </p:spPr>
       </p:cxnSp>
+      <p:cxnSp>
+        <p:nvCxnSpPr>
+          <p:cNvPr id="155" name="Shape 786">
+            <a:extLst>
+              <a:ext uri="{FF2B5EF4-FFF2-40B4-BE49-F238E27FC236}">
+                <a16:creationId xmlns:a16="http://schemas.microsoft.com/office/drawing/2014/main" id="{8CDD41A7-F263-4F45-86AD-C7DDED96A7A3}"/>
+              </a:ext>
+            </a:extLst>
+          </p:cNvPr>
+          <p:cNvCxnSpPr>
+            <a:cxnSpLocks/>
+            <a:stCxn id="152" idx="0"/>
+            <a:endCxn id="103" idx="2"/>
+          </p:cNvCxnSpPr>
+          <p:nvPr/>
+        </p:nvCxnSpPr>
+        <p:spPr>
+          <a:xfrm rot="5400000" flipH="1" flipV="1">
+            <a:off x="4069703" y="2422927"/>
+            <a:ext cx="2192595" cy="2781202"/>
+          </a:xfrm>
+          <a:prstGeom prst="bentConnector3">
+            <a:avLst>
+              <a:gd name="adj1" fmla="val 50000"/>
+            </a:avLst>
+          </a:prstGeom>
+          <a:noFill/>
+          <a:ln w="28575" cap="flat" cmpd="sng">
+            <a:solidFill>
+              <a:srgbClr val="002060"/>
+            </a:solidFill>
+            <a:prstDash val="solid"/>
+            <a:round/>
+            <a:headEnd type="none" w="med" len="med"/>
+            <a:tailEnd type="triangle" w="med" len="med"/>
+          </a:ln>
+          <a:effectLst>
+            <a:outerShdw blurRad="50800" dist="38100" dir="2700000" algn="tl" rotWithShape="0">
+              <a:schemeClr val="tx1">
+                <a:lumMod val="50000"/>
+                <a:lumOff val="50000"/>
+                <a:alpha val="40000"/>
+              </a:schemeClr>
+            </a:outerShdw>
+          </a:effectLst>
+        </p:spPr>
+      </p:cxnSp>
+      <p:sp>
+        <p:nvSpPr>
+          <p:cNvPr id="158" name="Shape 774">
+            <a:extLst>
+              <a:ext uri="{FF2B5EF4-FFF2-40B4-BE49-F238E27FC236}">
+                <a16:creationId xmlns:a16="http://schemas.microsoft.com/office/drawing/2014/main" id="{6DF11AB6-9B9E-084F-8E92-D36BC889118E}"/>
+              </a:ext>
+            </a:extLst>
+          </p:cNvPr>
+          <p:cNvSpPr/>
+          <p:nvPr/>
+        </p:nvSpPr>
+        <p:spPr>
+          <a:xfrm>
+            <a:off x="2501935" y="4662026"/>
+            <a:ext cx="2584194" cy="3310420"/>
+          </a:xfrm>
+          <a:prstGeom prst="rect">
+            <a:avLst/>
+          </a:prstGeom>
+          <a:noFill/>
+          <a:ln w="19050" cap="flat" cmpd="sng">
+            <a:solidFill>
+              <a:schemeClr val="bg1">
+                <a:lumMod val="75000"/>
+              </a:schemeClr>
+            </a:solidFill>
+            <a:prstDash val="dash"/>
+            <a:round/>
+            <a:headEnd type="none" w="sm" len="sm"/>
+            <a:tailEnd type="none" w="sm" len="sm"/>
+          </a:ln>
+        </p:spPr>
+        <p:txBody>
+          <a:bodyPr spcFirstLastPara="1" wrap="square" lIns="94473" tIns="94473" rIns="94473" bIns="94473" anchor="t" anchorCtr="0">
+            <a:noAutofit/>
+          </a:bodyPr>
+          <a:lstStyle/>
+          <a:p>
+            <a:endParaRPr sz="1859" i="1">
+              <a:solidFill>
+                <a:srgbClr val="999999"/>
+              </a:solidFill>
+            </a:endParaRPr>
+          </a:p>
+        </p:txBody>
+      </p:sp>
+      <p:sp>
+        <p:nvSpPr>
+          <p:cNvPr id="159" name="Shape 802">
+            <a:extLst>
+              <a:ext uri="{FF2B5EF4-FFF2-40B4-BE49-F238E27FC236}">
+                <a16:creationId xmlns:a16="http://schemas.microsoft.com/office/drawing/2014/main" id="{FF1E2AFE-317B-3D4E-BD8F-9FCFA4C04E1D}"/>
+              </a:ext>
+            </a:extLst>
+          </p:cNvPr>
+          <p:cNvSpPr txBox="1"/>
+          <p:nvPr/>
+        </p:nvSpPr>
+        <p:spPr>
+          <a:xfrm>
+            <a:off x="1070753" y="4255559"/>
+            <a:ext cx="2661746" cy="334836"/>
+          </a:xfrm>
+          <a:prstGeom prst="rect">
+            <a:avLst/>
+          </a:prstGeom>
+          <a:noFill/>
+          <a:ln>
+            <a:noFill/>
+          </a:ln>
+        </p:spPr>
+        <p:txBody>
+          <a:bodyPr spcFirstLastPara="1" wrap="square" lIns="94473" tIns="94473" rIns="94473" bIns="94473" anchor="ctr" anchorCtr="0">
+            <a:noAutofit/>
+          </a:bodyPr>
+          <a:lstStyle/>
+          <a:p>
+            <a:pPr lvl="0"/>
+            <a:r>
+              <a:rPr lang="en-US" sz="1859" i="1" dirty="0">
+                <a:solidFill>
+                  <a:schemeClr val="bg1">
+                    <a:lumMod val="65000"/>
+                  </a:schemeClr>
+                </a:solidFill>
+                <a:highlight>
+                  <a:srgbClr val="FFFFFF"/>
+                </a:highlight>
+              </a:rPr>
+              <a:t>Payload Operations</a:t>
+            </a:r>
+            <a:endParaRPr sz="1859" dirty="0">
+              <a:solidFill>
+                <a:schemeClr val="bg1">
+                  <a:lumMod val="65000"/>
+                </a:schemeClr>
+              </a:solidFill>
+              <a:highlight>
+                <a:srgbClr val="FFFFFF"/>
+              </a:highlight>
+            </a:endParaRPr>
+          </a:p>
+        </p:txBody>
+      </p:sp>
       <p:grpSp>
         <p:nvGrpSpPr>
-          <p:cNvPr id="94" name="Group 93">
+          <p:cNvPr id="99" name="Group 98">
             <a:extLst>
               <a:ext uri="{FF2B5EF4-FFF2-40B4-BE49-F238E27FC236}">
-                <a16:creationId xmlns:a16="http://schemas.microsoft.com/office/drawing/2014/main" id="{DD942BF4-31DD-544E-A0F3-3F92E6EB9B44}"/>
+                <a16:creationId xmlns:a16="http://schemas.microsoft.com/office/drawing/2014/main" id="{C1E9B322-6FE1-6847-8BF1-5B687050B994}"/>
               </a:ext>
             </a:extLst>
           </p:cNvPr>
@@ -6563,18 +6771,18 @@
         </p:nvGrpSpPr>
         <p:grpSpPr>
           <a:xfrm>
-            <a:off x="14251208" y="1672218"/>
-            <a:ext cx="1307210" cy="1050313"/>
+            <a:off x="5993313" y="1666917"/>
+            <a:ext cx="1126575" cy="1050313"/>
             <a:chOff x="8596981" y="2766494"/>
             <a:chExt cx="1307210" cy="1050313"/>
           </a:xfrm>
         </p:grpSpPr>
         <p:sp>
           <p:nvSpPr>
-            <p:cNvPr id="95" name="Flowchart: Decision 89">
+            <p:cNvPr id="103" name="Flowchart: Decision 89">
               <a:extLst>
                 <a:ext uri="{FF2B5EF4-FFF2-40B4-BE49-F238E27FC236}">
-                  <a16:creationId xmlns:a16="http://schemas.microsoft.com/office/drawing/2014/main" id="{85423FBA-2544-6940-B3D7-D70523A75574}"/>
+                  <a16:creationId xmlns:a16="http://schemas.microsoft.com/office/drawing/2014/main" id="{B64E92FA-E404-DD47-9ABE-2284C09B19FC}"/>
                 </a:ext>
               </a:extLst>
             </p:cNvPr>
@@ -6635,10 +6843,10 @@
         </p:sp>
         <p:sp>
           <p:nvSpPr>
-            <p:cNvPr id="96" name="TextBox 95">
+            <p:cNvPr id="105" name="TextBox 104">
               <a:extLst>
                 <a:ext uri="{FF2B5EF4-FFF2-40B4-BE49-F238E27FC236}">
-                  <a16:creationId xmlns:a16="http://schemas.microsoft.com/office/drawing/2014/main" id="{9AE87BD3-26FB-5D44-AF0C-E68A9DA70D7A}"/>
+                  <a16:creationId xmlns:a16="http://schemas.microsoft.com/office/drawing/2014/main" id="{0F5906C2-FB4A-114E-A2B7-220C5E5388B2}"/>
                 </a:ext>
               </a:extLst>
             </p:cNvPr>
@@ -6647,7 +6855,7 @@
           </p:nvSpPr>
           <p:spPr>
             <a:xfrm>
-              <a:off x="8630728" y="3163240"/>
+              <a:off x="8618256" y="3169809"/>
               <a:ext cx="1273463" cy="246221"/>
             </a:xfrm>
             <a:prstGeom prst="rect">
@@ -6673,24 +6881,24 @@
       </p:grpSp>
       <p:cxnSp>
         <p:nvCxnSpPr>
-          <p:cNvPr id="97" name="Elbow Connector 30">
+          <p:cNvPr id="106" name="Shape 786">
             <a:extLst>
               <a:ext uri="{FF2B5EF4-FFF2-40B4-BE49-F238E27FC236}">
-                <a16:creationId xmlns:a16="http://schemas.microsoft.com/office/drawing/2014/main" id="{5BD95F10-5495-BB4A-97D9-19410AC3DD8B}"/>
+                <a16:creationId xmlns:a16="http://schemas.microsoft.com/office/drawing/2014/main" id="{00D11DED-241F-B240-9B48-AE5E02EBA6F8}"/>
               </a:ext>
             </a:extLst>
           </p:cNvPr>
           <p:cNvCxnSpPr>
             <a:cxnSpLocks/>
-            <a:stCxn id="112" idx="3"/>
-            <a:endCxn id="96" idx="1"/>
+            <a:stCxn id="9" idx="3"/>
+            <a:endCxn id="105" idx="1"/>
           </p:cNvCxnSpPr>
           <p:nvPr/>
         </p:nvCxnSpPr>
         <p:spPr>
           <a:xfrm flipV="1">
-            <a:off x="13927793" y="2192075"/>
-            <a:ext cx="357162" cy="1994"/>
+            <a:off x="5718221" y="2193343"/>
+            <a:ext cx="293427" cy="726"/>
           </a:xfrm>
           <a:prstGeom prst="straightConnector1">
             <a:avLst/>
@@ -6718,28 +6926,28 @@
       </p:cxnSp>
       <p:cxnSp>
         <p:nvCxnSpPr>
-          <p:cNvPr id="101" name="Shape 786">
+          <p:cNvPr id="108" name="Shape 786">
             <a:extLst>
               <a:ext uri="{FF2B5EF4-FFF2-40B4-BE49-F238E27FC236}">
-                <a16:creationId xmlns:a16="http://schemas.microsoft.com/office/drawing/2014/main" id="{D3615B5C-2D62-E645-AF40-8557D9034593}"/>
+                <a16:creationId xmlns:a16="http://schemas.microsoft.com/office/drawing/2014/main" id="{DC8B5028-EA0B-E74A-A8CC-3C6E56670F88}"/>
               </a:ext>
             </a:extLst>
           </p:cNvPr>
           <p:cNvCxnSpPr>
             <a:cxnSpLocks/>
-            <a:stCxn id="95" idx="0"/>
-            <a:endCxn id="56" idx="0"/>
+            <a:stCxn id="103" idx="3"/>
+            <a:endCxn id="110" idx="1"/>
           </p:cNvCxnSpPr>
           <p:nvPr/>
         </p:nvCxnSpPr>
         <p:spPr>
-          <a:xfrm rot="16200000" flipH="1" flipV="1">
-            <a:off x="10918029" y="-2284976"/>
-            <a:ext cx="29591" cy="7943977"/>
+          <a:xfrm flipV="1">
+            <a:off x="7119888" y="1562568"/>
+            <a:ext cx="511838" cy="629506"/>
           </a:xfrm>
           <a:prstGeom prst="bentConnector3">
             <a:avLst>
-              <a:gd name="adj1" fmla="val -1139157"/>
+              <a:gd name="adj1" fmla="val 54971"/>
             </a:avLst>
           </a:prstGeom>
           <a:noFill/>
@@ -6763,313 +6971,148 @@
           </a:effectLst>
         </p:spPr>
       </p:cxnSp>
-      <p:sp>
-        <p:nvSpPr>
-          <p:cNvPr id="104" name="TextBox 103">
+      <p:grpSp>
+        <p:nvGrpSpPr>
+          <p:cNvPr id="109" name="Group 108">
             <a:extLst>
               <a:ext uri="{FF2B5EF4-FFF2-40B4-BE49-F238E27FC236}">
-                <a16:creationId xmlns:a16="http://schemas.microsoft.com/office/drawing/2014/main" id="{B89E1FFA-DC4F-AF4B-B5EE-2493D066930B}"/>
+                <a16:creationId xmlns:a16="http://schemas.microsoft.com/office/drawing/2014/main" id="{9DB12795-596C-6D46-836D-0E8E364A11CE}"/>
               </a:ext>
             </a:extLst>
           </p:cNvPr>
-          <p:cNvSpPr txBox="1"/>
+          <p:cNvGrpSpPr/>
           <p:nvPr/>
-        </p:nvSpPr>
-        <p:spPr>
+        </p:nvGrpSpPr>
+        <p:grpSpPr>
           <a:xfrm>
-            <a:off x="14262271" y="1029224"/>
-            <a:ext cx="523876" cy="307777"/>
-          </a:xfrm>
-          <a:prstGeom prst="rect">
-            <a:avLst/>
-          </a:prstGeom>
-          <a:noFill/>
-        </p:spPr>
-        <p:txBody>
-          <a:bodyPr wrap="square" rtlCol="0">
-            <a:spAutoFit/>
-          </a:bodyPr>
-          <a:lstStyle/>
-          <a:p>
-            <a:pPr algn="ctr"/>
-            <a:r>
-              <a:rPr lang="en-US" sz="1400" dirty="0"/>
-              <a:t>YES</a:t>
-            </a:r>
-          </a:p>
-        </p:txBody>
-      </p:sp>
-      <p:sp>
-        <p:nvSpPr>
-          <p:cNvPr id="122" name="TextBox 121">
+            <a:off x="7631726" y="1037411"/>
+            <a:ext cx="1328787" cy="1050313"/>
+            <a:chOff x="8596981" y="2766494"/>
+            <a:chExt cx="1328787" cy="1050313"/>
+          </a:xfrm>
+        </p:grpSpPr>
+        <p:sp>
+          <p:nvSpPr>
+            <p:cNvPr id="110" name="Flowchart: Decision 89">
+              <a:extLst>
+                <a:ext uri="{FF2B5EF4-FFF2-40B4-BE49-F238E27FC236}">
+                  <a16:creationId xmlns:a16="http://schemas.microsoft.com/office/drawing/2014/main" id="{25ACC8FA-275A-5346-9CEC-95E714F92A38}"/>
+                </a:ext>
+              </a:extLst>
+            </p:cNvPr>
+            <p:cNvSpPr/>
+            <p:nvPr/>
+          </p:nvSpPr>
+          <p:spPr>
+            <a:xfrm>
+              <a:off x="8596981" y="2766494"/>
+              <a:ext cx="1307210" cy="1050313"/>
+            </a:xfrm>
+            <a:prstGeom prst="flowChartDecision">
+              <a:avLst/>
+            </a:prstGeom>
+            <a:solidFill>
+              <a:schemeClr val="accent6">
+                <a:lumMod val="20000"/>
+                <a:lumOff val="80000"/>
+              </a:schemeClr>
+            </a:solidFill>
+            <a:ln>
+              <a:solidFill>
+                <a:schemeClr val="accent6">
+                  <a:lumMod val="60000"/>
+                  <a:lumOff val="40000"/>
+                </a:schemeClr>
+              </a:solidFill>
+            </a:ln>
+          </p:spPr>
+          <p:style>
+            <a:lnRef idx="2">
+              <a:schemeClr val="accent1">
+                <a:shade val="50000"/>
+              </a:schemeClr>
+            </a:lnRef>
+            <a:fillRef idx="1">
+              <a:schemeClr val="accent1"/>
+            </a:fillRef>
+            <a:effectRef idx="0">
+              <a:schemeClr val="accent1"/>
+            </a:effectRef>
+            <a:fontRef idx="minor">
+              <a:schemeClr val="lt1"/>
+            </a:fontRef>
+          </p:style>
+          <p:txBody>
+            <a:bodyPr rtlCol="0" anchor="ctr"/>
+            <a:lstStyle/>
+            <a:p>
+              <a:pPr algn="ctr"/>
+              <a:endParaRPr lang="en-US" sz="1000" b="1" dirty="0">
+                <a:solidFill>
+                  <a:schemeClr val="tx1"/>
+                </a:solidFill>
+              </a:endParaRPr>
+            </a:p>
+          </p:txBody>
+        </p:sp>
+        <p:sp>
+          <p:nvSpPr>
+            <p:cNvPr id="111" name="TextBox 110">
+              <a:extLst>
+                <a:ext uri="{FF2B5EF4-FFF2-40B4-BE49-F238E27FC236}">
+                  <a16:creationId xmlns:a16="http://schemas.microsoft.com/office/drawing/2014/main" id="{4C57F78D-9D34-C44F-992A-BC12BBF9E917}"/>
+                </a:ext>
+              </a:extLst>
+            </p:cNvPr>
+            <p:cNvSpPr txBox="1"/>
+            <p:nvPr/>
+          </p:nvSpPr>
+          <p:spPr>
+            <a:xfrm>
+              <a:off x="8652305" y="3086577"/>
+              <a:ext cx="1273463" cy="400110"/>
+            </a:xfrm>
+            <a:prstGeom prst="rect">
+              <a:avLst/>
+            </a:prstGeom>
+            <a:noFill/>
+          </p:spPr>
+          <p:txBody>
+            <a:bodyPr wrap="square" rtlCol="0">
+              <a:spAutoFit/>
+            </a:bodyPr>
+            <a:lstStyle/>
+            <a:p>
+              <a:pPr algn="ctr"/>
+              <a:r>
+                <a:rPr lang="en-US" sz="1000" b="1" dirty="0"/>
+                <a:t>Battery voltage above threshold?</a:t>
+              </a:r>
+              <a:endParaRPr lang="en-US" sz="1400" dirty="0"/>
+            </a:p>
+          </p:txBody>
+        </p:sp>
+      </p:grpSp>
+      <p:cxnSp>
+        <p:nvCxnSpPr>
+          <p:cNvPr id="113" name="Elbow Connector 30">
             <a:extLst>
               <a:ext uri="{FF2B5EF4-FFF2-40B4-BE49-F238E27FC236}">
-                <a16:creationId xmlns:a16="http://schemas.microsoft.com/office/drawing/2014/main" id="{18A422B0-5345-8442-A2A2-495DBA43AF50}"/>
-              </a:ext>
-            </a:extLst>
-          </p:cNvPr>
-          <p:cNvSpPr txBox="1"/>
-          <p:nvPr/>
-        </p:nvSpPr>
-        <p:spPr>
-          <a:xfrm>
-            <a:off x="14972585" y="2637798"/>
-            <a:ext cx="523876" cy="307777"/>
-          </a:xfrm>
-          <a:prstGeom prst="rect">
-            <a:avLst/>
-          </a:prstGeom>
-          <a:noFill/>
-        </p:spPr>
-        <p:txBody>
-          <a:bodyPr wrap="square" rtlCol="0">
-            <a:spAutoFit/>
-          </a:bodyPr>
-          <a:lstStyle/>
-          <a:p>
-            <a:pPr algn="ctr"/>
-            <a:r>
-              <a:rPr lang="en-US" sz="1400" dirty="0"/>
-              <a:t>NO</a:t>
-            </a:r>
-          </a:p>
-        </p:txBody>
-      </p:sp>
-      <p:sp>
-        <p:nvSpPr>
-          <p:cNvPr id="150" name="Shape 775">
-            <a:extLst>
-              <a:ext uri="{FF2B5EF4-FFF2-40B4-BE49-F238E27FC236}">
-                <a16:creationId xmlns:a16="http://schemas.microsoft.com/office/drawing/2014/main" id="{610FCC08-9854-0141-9AB6-8B749D3D1060}"/>
-              </a:ext>
-            </a:extLst>
-          </p:cNvPr>
-          <p:cNvSpPr/>
-          <p:nvPr/>
-        </p:nvSpPr>
-        <p:spPr>
-          <a:xfrm>
-            <a:off x="5506860" y="6331850"/>
-            <a:ext cx="1901060" cy="980532"/>
-          </a:xfrm>
-          <a:prstGeom prst="rect">
-            <a:avLst/>
-          </a:prstGeom>
-          <a:solidFill>
-            <a:schemeClr val="accent6">
-              <a:lumMod val="60000"/>
-              <a:lumOff val="40000"/>
-            </a:schemeClr>
-          </a:solidFill>
-          <a:ln w="9525" cap="flat" cmpd="sng">
-            <a:noFill/>
-            <a:prstDash val="solid"/>
-            <a:round/>
-            <a:headEnd type="none" w="sm" len="sm"/>
-            <a:tailEnd type="none" w="sm" len="sm"/>
-          </a:ln>
-          <a:effectLst>
-            <a:outerShdw blurRad="50800" dist="38100" dir="2700000" algn="tl" rotWithShape="0">
-              <a:prstClr val="black">
-                <a:alpha val="40000"/>
-              </a:prstClr>
-            </a:outerShdw>
-          </a:effectLst>
-        </p:spPr>
-        <p:txBody>
-          <a:bodyPr spcFirstLastPara="1" wrap="square" lIns="94473" tIns="94473" rIns="94473" bIns="94473" anchor="ctr" anchorCtr="0">
-            <a:noAutofit/>
-          </a:bodyPr>
-          <a:lstStyle/>
-          <a:p>
-            <a:pPr algn="ctr">
-              <a:buClr>
-                <a:schemeClr val="dk1"/>
-              </a:buClr>
-              <a:buSzPts val="1100"/>
-            </a:pPr>
-            <a:r>
-              <a:rPr lang="en-US" sz="1600" b="1" dirty="0">
-                <a:solidFill>
-                  <a:schemeClr val="dk1"/>
-                </a:solidFill>
-              </a:rPr>
-              <a:t>Payload On</a:t>
-            </a:r>
-          </a:p>
-          <a:p>
-            <a:pPr algn="ctr">
-              <a:buClr>
-                <a:schemeClr val="dk1"/>
-              </a:buClr>
-              <a:buSzPts val="1100"/>
-            </a:pPr>
-            <a:r>
-              <a:rPr lang="en-US" sz="1111" dirty="0">
-                <a:solidFill>
-                  <a:schemeClr val="dk1"/>
-                </a:solidFill>
-              </a:rPr>
-              <a:t>SDR and Raspberry Pi</a:t>
-            </a:r>
-            <a:endParaRPr sz="1111" dirty="0">
-              <a:solidFill>
-                <a:schemeClr val="dk1"/>
-              </a:solidFill>
-            </a:endParaRPr>
-          </a:p>
-        </p:txBody>
-      </p:sp>
-      <p:cxnSp>
-        <p:nvCxnSpPr>
-          <p:cNvPr id="151" name="Shape 786">
-            <a:extLst>
-              <a:ext uri="{FF2B5EF4-FFF2-40B4-BE49-F238E27FC236}">
-                <a16:creationId xmlns:a16="http://schemas.microsoft.com/office/drawing/2014/main" id="{1195A93D-E273-D147-AA11-7929D9AD010A}"/>
+                <a16:creationId xmlns:a16="http://schemas.microsoft.com/office/drawing/2014/main" id="{1F2B8126-DD0E-3D42-986D-C9E0B79EF314}"/>
               </a:ext>
             </a:extLst>
           </p:cNvPr>
           <p:cNvCxnSpPr>
             <a:cxnSpLocks/>
-            <a:stCxn id="144" idx="1"/>
-            <a:endCxn id="150" idx="3"/>
+            <a:stCxn id="110" idx="2"/>
+            <a:endCxn id="107" idx="0"/>
           </p:cNvCxnSpPr>
           <p:nvPr/>
         </p:nvCxnSpPr>
         <p:spPr>
-          <a:xfrm flipH="1">
-            <a:off x="7407920" y="6814486"/>
-            <a:ext cx="1919568" cy="7630"/>
-          </a:xfrm>
-          <a:prstGeom prst="straightConnector1">
-            <a:avLst/>
-          </a:prstGeom>
-          <a:noFill/>
-          <a:ln w="28575" cap="flat" cmpd="sng">
-            <a:solidFill>
-              <a:srgbClr val="FF0000"/>
-            </a:solidFill>
-            <a:prstDash val="solid"/>
-            <a:round/>
-            <a:headEnd type="none" w="med" len="med"/>
-            <a:tailEnd type="triangle" w="med" len="med"/>
-          </a:ln>
-          <a:effectLst>
-            <a:outerShdw blurRad="50800" dist="38100" dir="2700000" algn="tl" rotWithShape="0">
-              <a:schemeClr val="tx1">
-                <a:lumMod val="50000"/>
-                <a:lumOff val="50000"/>
-                <a:alpha val="40000"/>
-              </a:schemeClr>
-            </a:outerShdw>
-          </a:effectLst>
-        </p:spPr>
-      </p:cxnSp>
-      <p:sp>
-        <p:nvSpPr>
-          <p:cNvPr id="152" name="Shape 775">
-            <a:extLst>
-              <a:ext uri="{FF2B5EF4-FFF2-40B4-BE49-F238E27FC236}">
-                <a16:creationId xmlns:a16="http://schemas.microsoft.com/office/drawing/2014/main" id="{E731B028-124A-E54B-8513-EFD05637502E}"/>
-              </a:ext>
-            </a:extLst>
-          </p:cNvPr>
-          <p:cNvSpPr/>
-          <p:nvPr/>
-        </p:nvSpPr>
-        <p:spPr>
           <a:xfrm>
-            <a:off x="5506860" y="4357005"/>
-            <a:ext cx="1901060" cy="980532"/>
-          </a:xfrm>
-          <a:prstGeom prst="rect">
-            <a:avLst/>
-          </a:prstGeom>
-          <a:solidFill>
-            <a:schemeClr val="accent6">
-              <a:lumMod val="60000"/>
-              <a:lumOff val="40000"/>
-            </a:schemeClr>
-          </a:solidFill>
-          <a:ln w="9525" cap="flat" cmpd="sng">
-            <a:noFill/>
-            <a:prstDash val="solid"/>
-            <a:round/>
-            <a:headEnd type="none" w="sm" len="sm"/>
-            <a:tailEnd type="none" w="sm" len="sm"/>
-          </a:ln>
-          <a:effectLst>
-            <a:outerShdw blurRad="50800" dist="38100" dir="2700000" algn="tl" rotWithShape="0">
-              <a:prstClr val="black">
-                <a:alpha val="40000"/>
-              </a:prstClr>
-            </a:outerShdw>
-          </a:effectLst>
-        </p:spPr>
-        <p:txBody>
-          <a:bodyPr spcFirstLastPara="1" wrap="square" lIns="94473" tIns="94473" rIns="94473" bIns="94473" anchor="ctr" anchorCtr="0">
-            <a:noAutofit/>
-          </a:bodyPr>
-          <a:lstStyle/>
-          <a:p>
-            <a:pPr algn="ctr">
-              <a:buClr>
-                <a:schemeClr val="dk1"/>
-              </a:buClr>
-              <a:buSzPts val="1100"/>
-            </a:pPr>
-            <a:r>
-              <a:rPr lang="en-US" sz="1600" b="1" dirty="0">
-                <a:solidFill>
-                  <a:schemeClr val="dk1"/>
-                </a:solidFill>
-              </a:rPr>
-              <a:t>Process and Store Data</a:t>
-            </a:r>
-          </a:p>
-          <a:p>
-            <a:pPr algn="ctr">
-              <a:buClr>
-                <a:schemeClr val="dk1"/>
-              </a:buClr>
-              <a:buSzPts val="1100"/>
-            </a:pPr>
-            <a:r>
-              <a:rPr lang="en-US" sz="1111" dirty="0">
-                <a:solidFill>
-                  <a:schemeClr val="dk1"/>
-                </a:solidFill>
-              </a:rPr>
-              <a:t>From payload</a:t>
-            </a:r>
-            <a:endParaRPr sz="1111" dirty="0">
-              <a:solidFill>
-                <a:schemeClr val="dk1"/>
-              </a:solidFill>
-            </a:endParaRPr>
-          </a:p>
-        </p:txBody>
-      </p:sp>
-      <p:cxnSp>
-        <p:nvCxnSpPr>
-          <p:cNvPr id="153" name="Shape 786">
-            <a:extLst>
-              <a:ext uri="{FF2B5EF4-FFF2-40B4-BE49-F238E27FC236}">
-                <a16:creationId xmlns:a16="http://schemas.microsoft.com/office/drawing/2014/main" id="{B14B594C-E3CB-6D4A-901F-9D44C83EE474}"/>
-              </a:ext>
-            </a:extLst>
-          </p:cNvPr>
-          <p:cNvCxnSpPr>
-            <a:cxnSpLocks/>
-            <a:stCxn id="150" idx="0"/>
-            <a:endCxn id="152" idx="2"/>
-          </p:cNvCxnSpPr>
-          <p:nvPr/>
-        </p:nvCxnSpPr>
-        <p:spPr>
-          <a:xfrm flipV="1">
-            <a:off x="6457390" y="5337537"/>
-            <a:ext cx="0" cy="994313"/>
+            <a:off x="8285331" y="2087724"/>
+            <a:ext cx="231" cy="325923"/>
           </a:xfrm>
           <a:prstGeom prst="straightConnector1">
             <a:avLst/>
@@ -7097,24 +7140,118 @@
       </p:cxnSp>
       <p:cxnSp>
         <p:nvCxnSpPr>
-          <p:cNvPr id="155" name="Shape 786">
+          <p:cNvPr id="137" name="Shape 786">
             <a:extLst>
               <a:ext uri="{FF2B5EF4-FFF2-40B4-BE49-F238E27FC236}">
-                <a16:creationId xmlns:a16="http://schemas.microsoft.com/office/drawing/2014/main" id="{8CDD41A7-F263-4F45-86AD-C7DDED96A7A3}"/>
+                <a16:creationId xmlns:a16="http://schemas.microsoft.com/office/drawing/2014/main" id="{20EF1F5E-CE19-4A49-A250-E44E927E94B7}"/>
               </a:ext>
             </a:extLst>
           </p:cNvPr>
           <p:cNvCxnSpPr>
             <a:cxnSpLocks/>
-            <a:stCxn id="152" idx="0"/>
-            <a:endCxn id="107" idx="2"/>
+            <a:stCxn id="105" idx="3"/>
+            <a:endCxn id="107" idx="1"/>
           </p:cNvCxnSpPr>
           <p:nvPr/>
         </p:nvCxnSpPr>
         <p:spPr>
-          <a:xfrm rot="5400000" flipH="1" flipV="1">
-            <a:off x="6882413" y="2259312"/>
-            <a:ext cx="1672670" cy="2522717"/>
+          <a:xfrm>
+            <a:off x="7109139" y="2193343"/>
+            <a:ext cx="453444" cy="710570"/>
+          </a:xfrm>
+          <a:prstGeom prst="bentConnector3">
+            <a:avLst>
+              <a:gd name="adj1" fmla="val 65394"/>
+            </a:avLst>
+          </a:prstGeom>
+          <a:noFill/>
+          <a:ln w="28575" cap="flat" cmpd="sng">
+            <a:solidFill>
+              <a:srgbClr val="002060"/>
+            </a:solidFill>
+            <a:prstDash val="solid"/>
+            <a:round/>
+            <a:headEnd type="none" w="med" len="med"/>
+            <a:tailEnd type="triangle" w="med" len="med"/>
+          </a:ln>
+          <a:effectLst>
+            <a:outerShdw blurRad="50800" dist="38100" dir="2700000" algn="tl" rotWithShape="0">
+              <a:schemeClr val="tx1">
+                <a:lumMod val="50000"/>
+                <a:lumOff val="50000"/>
+                <a:alpha val="40000"/>
+              </a:schemeClr>
+            </a:outerShdw>
+          </a:effectLst>
+        </p:spPr>
+      </p:cxnSp>
+      <p:cxnSp>
+        <p:nvCxnSpPr>
+          <p:cNvPr id="154" name="Shape 786">
+            <a:extLst>
+              <a:ext uri="{FF2B5EF4-FFF2-40B4-BE49-F238E27FC236}">
+                <a16:creationId xmlns:a16="http://schemas.microsoft.com/office/drawing/2014/main" id="{9AE11DDA-D082-854D-8C73-9C78BC90929B}"/>
+              </a:ext>
+            </a:extLst>
+          </p:cNvPr>
+          <p:cNvCxnSpPr>
+            <a:cxnSpLocks/>
+            <a:stCxn id="107" idx="3"/>
+            <a:endCxn id="58" idx="1"/>
+          </p:cNvCxnSpPr>
+          <p:nvPr/>
+        </p:nvCxnSpPr>
+        <p:spPr>
+          <a:xfrm flipV="1">
+            <a:off x="9008541" y="2196742"/>
+            <a:ext cx="2405388" cy="707171"/>
+          </a:xfrm>
+          <a:prstGeom prst="bentConnector3">
+            <a:avLst>
+              <a:gd name="adj1" fmla="val 89175"/>
+            </a:avLst>
+          </a:prstGeom>
+          <a:noFill/>
+          <a:ln w="28575" cap="flat" cmpd="sng">
+            <a:solidFill>
+              <a:srgbClr val="002060"/>
+            </a:solidFill>
+            <a:prstDash val="solid"/>
+            <a:round/>
+            <a:headEnd type="none" w="med" len="med"/>
+            <a:tailEnd type="triangle" w="med" len="med"/>
+          </a:ln>
+          <a:effectLst>
+            <a:outerShdw blurRad="50800" dist="38100" dir="2700000" algn="tl" rotWithShape="0">
+              <a:schemeClr val="tx1">
+                <a:lumMod val="50000"/>
+                <a:lumOff val="50000"/>
+                <a:alpha val="40000"/>
+              </a:schemeClr>
+            </a:outerShdw>
+          </a:effectLst>
+        </p:spPr>
+      </p:cxnSp>
+      <p:cxnSp>
+        <p:nvCxnSpPr>
+          <p:cNvPr id="156" name="Shape 786">
+            <a:extLst>
+              <a:ext uri="{FF2B5EF4-FFF2-40B4-BE49-F238E27FC236}">
+                <a16:creationId xmlns:a16="http://schemas.microsoft.com/office/drawing/2014/main" id="{ABA81229-53AA-694C-80C0-42E8373C5630}"/>
+              </a:ext>
+            </a:extLst>
+          </p:cNvPr>
+          <p:cNvCxnSpPr>
+            <a:cxnSpLocks/>
+            <a:stCxn id="56" idx="3"/>
+            <a:endCxn id="58" idx="1"/>
+          </p:cNvCxnSpPr>
+          <p:nvPr/>
+        </p:nvCxnSpPr>
+        <p:spPr>
+          <a:xfrm>
+            <a:off x="10894178" y="1557587"/>
+            <a:ext cx="519751" cy="639155"/>
           </a:xfrm>
           <a:prstGeom prst="bentConnector3">
             <a:avLst>
@@ -7142,59 +7279,102 @@
           </a:effectLst>
         </p:spPr>
       </p:cxnSp>
-      <p:sp>
-        <p:nvSpPr>
-          <p:cNvPr id="158" name="Shape 774">
+      <p:cxnSp>
+        <p:nvCxnSpPr>
+          <p:cNvPr id="163" name="Shape 786">
             <a:extLst>
               <a:ext uri="{FF2B5EF4-FFF2-40B4-BE49-F238E27FC236}">
-                <a16:creationId xmlns:a16="http://schemas.microsoft.com/office/drawing/2014/main" id="{6DF11AB6-9B9E-084F-8E92-D36BC889118E}"/>
+                <a16:creationId xmlns:a16="http://schemas.microsoft.com/office/drawing/2014/main" id="{EEA9A700-B900-3043-BFC2-4FC100EF3ABB}"/>
               </a:ext>
             </a:extLst>
           </p:cNvPr>
-          <p:cNvSpPr/>
+          <p:cNvCxnSpPr>
+            <a:cxnSpLocks/>
+            <a:stCxn id="58" idx="3"/>
+            <a:endCxn id="91" idx="1"/>
+          </p:cNvCxnSpPr>
           <p:nvPr/>
-        </p:nvSpPr>
+        </p:nvCxnSpPr>
         <p:spPr>
           <a:xfrm>
-            <a:off x="5183926" y="4109205"/>
-            <a:ext cx="2584194" cy="3405179"/>
-          </a:xfrm>
-          <a:prstGeom prst="rect">
+            <a:off x="12050377" y="2196742"/>
+            <a:ext cx="343489" cy="0"/>
+          </a:xfrm>
+          <a:prstGeom prst="straightConnector1">
             <a:avLst/>
           </a:prstGeom>
           <a:noFill/>
-          <a:ln w="19050" cap="flat" cmpd="sng">
+          <a:ln w="28575" cap="flat" cmpd="sng">
             <a:solidFill>
-              <a:schemeClr val="bg1">
-                <a:lumMod val="75000"/>
+              <a:srgbClr val="002060"/>
+            </a:solidFill>
+            <a:prstDash val="solid"/>
+            <a:round/>
+            <a:headEnd type="none" w="med" len="med"/>
+            <a:tailEnd type="triangle" w="med" len="med"/>
+          </a:ln>
+          <a:effectLst>
+            <a:outerShdw blurRad="50800" dist="38100" dir="2700000" algn="tl" rotWithShape="0">
+              <a:schemeClr val="tx1">
+                <a:lumMod val="50000"/>
+                <a:lumOff val="50000"/>
+                <a:alpha val="40000"/>
               </a:schemeClr>
-            </a:solidFill>
-            <a:prstDash val="dash"/>
-            <a:round/>
-            <a:headEnd type="none" w="sm" len="sm"/>
-            <a:tailEnd type="none" w="sm" len="sm"/>
-          </a:ln>
-        </p:spPr>
-        <p:txBody>
-          <a:bodyPr spcFirstLastPara="1" wrap="square" lIns="94473" tIns="94473" rIns="94473" bIns="94473" anchor="t" anchorCtr="0">
-            <a:noAutofit/>
-          </a:bodyPr>
-          <a:lstStyle/>
-          <a:p>
-            <a:endParaRPr sz="1859" i="1">
-              <a:solidFill>
-                <a:srgbClr val="999999"/>
-              </a:solidFill>
-            </a:endParaRPr>
-          </a:p>
-        </p:txBody>
-      </p:sp>
-      <p:sp>
-        <p:nvSpPr>
-          <p:cNvPr id="159" name="Shape 802">
+            </a:outerShdw>
+          </a:effectLst>
+        </p:spPr>
+      </p:cxnSp>
+      <p:cxnSp>
+        <p:nvCxnSpPr>
+          <p:cNvPr id="171" name="Shape 786">
             <a:extLst>
               <a:ext uri="{FF2B5EF4-FFF2-40B4-BE49-F238E27FC236}">
-                <a16:creationId xmlns:a16="http://schemas.microsoft.com/office/drawing/2014/main" id="{FF1E2AFE-317B-3D4E-BD8F-9FCFA4C04E1D}"/>
+                <a16:creationId xmlns:a16="http://schemas.microsoft.com/office/drawing/2014/main" id="{99755286-ADFF-AE48-805E-0D7CEA063AA2}"/>
+              </a:ext>
+            </a:extLst>
+          </p:cNvPr>
+          <p:cNvCxnSpPr>
+            <a:cxnSpLocks/>
+            <a:stCxn id="111" idx="3"/>
+            <a:endCxn id="56" idx="1"/>
+          </p:cNvCxnSpPr>
+          <p:nvPr/>
+        </p:nvCxnSpPr>
+        <p:spPr>
+          <a:xfrm>
+            <a:off x="8960513" y="1557549"/>
+            <a:ext cx="304112" cy="38"/>
+          </a:xfrm>
+          <a:prstGeom prst="straightConnector1">
+            <a:avLst/>
+          </a:prstGeom>
+          <a:noFill/>
+          <a:ln w="28575" cap="flat" cmpd="sng">
+            <a:solidFill>
+              <a:srgbClr val="002060"/>
+            </a:solidFill>
+            <a:prstDash val="solid"/>
+            <a:round/>
+            <a:headEnd type="none" w="med" len="med"/>
+            <a:tailEnd type="triangle" w="med" len="med"/>
+          </a:ln>
+          <a:effectLst>
+            <a:outerShdw blurRad="50800" dist="38100" dir="2700000" algn="tl" rotWithShape="0">
+              <a:schemeClr val="tx1">
+                <a:lumMod val="50000"/>
+                <a:lumOff val="50000"/>
+                <a:alpha val="40000"/>
+              </a:schemeClr>
+            </a:outerShdw>
+          </a:effectLst>
+        </p:spPr>
+      </p:cxnSp>
+      <p:sp>
+        <p:nvSpPr>
+          <p:cNvPr id="207" name="TextBox 206">
+            <a:extLst>
+              <a:ext uri="{FF2B5EF4-FFF2-40B4-BE49-F238E27FC236}">
+                <a16:creationId xmlns:a16="http://schemas.microsoft.com/office/drawing/2014/main" id="{7553C332-3795-0D46-A5DE-9E68A7F5CD01}"/>
               </a:ext>
             </a:extLst>
           </p:cNvPr>
@@ -7203,103 +7383,34 @@
         </p:nvSpPr>
         <p:spPr>
           <a:xfrm>
-            <a:off x="3752744" y="3702739"/>
-            <a:ext cx="2661746" cy="334836"/>
+            <a:off x="8280683" y="2075648"/>
+            <a:ext cx="523876" cy="307777"/>
           </a:xfrm>
           <a:prstGeom prst="rect">
             <a:avLst/>
           </a:prstGeom>
           <a:noFill/>
-          <a:ln>
-            <a:noFill/>
-          </a:ln>
-        </p:spPr>
-        <p:txBody>
-          <a:bodyPr spcFirstLastPara="1" wrap="square" lIns="94473" tIns="94473" rIns="94473" bIns="94473" anchor="ctr" anchorCtr="0">
-            <a:noAutofit/>
+        </p:spPr>
+        <p:txBody>
+          <a:bodyPr wrap="square" rtlCol="0">
+            <a:spAutoFit/>
           </a:bodyPr>
           <a:lstStyle/>
           <a:p>
-            <a:pPr lvl="0"/>
-            <a:r>
-              <a:rPr lang="en-US" sz="1859" i="1" dirty="0">
-                <a:solidFill>
-                  <a:schemeClr val="bg1">
-                    <a:lumMod val="65000"/>
-                  </a:schemeClr>
-                </a:solidFill>
-                <a:highlight>
-                  <a:srgbClr val="FFFFFF"/>
-                </a:highlight>
-              </a:rPr>
-              <a:t>Payload Operations</a:t>
-            </a:r>
-            <a:endParaRPr sz="1859" dirty="0">
-              <a:solidFill>
-                <a:schemeClr val="bg1">
-                  <a:lumMod val="65000"/>
-                </a:schemeClr>
-              </a:solidFill>
-              <a:highlight>
-                <a:srgbClr val="FFFFFF"/>
-              </a:highlight>
-            </a:endParaRPr>
-          </a:p>
-        </p:txBody>
-      </p:sp>
-      <p:sp>
-        <p:nvSpPr>
-          <p:cNvPr id="160" name="Shape 774">
+            <a:pPr algn="ctr"/>
+            <a:r>
+              <a:rPr lang="en-US" sz="1400" dirty="0"/>
+              <a:t>NO</a:t>
+            </a:r>
+          </a:p>
+        </p:txBody>
+      </p:sp>
+      <p:sp>
+        <p:nvSpPr>
+          <p:cNvPr id="208" name="TextBox 207">
             <a:extLst>
               <a:ext uri="{FF2B5EF4-FFF2-40B4-BE49-F238E27FC236}">
-                <a16:creationId xmlns:a16="http://schemas.microsoft.com/office/drawing/2014/main" id="{60EB8D3F-ECA9-3345-82CF-9F5D76036C98}"/>
-              </a:ext>
-            </a:extLst>
-          </p:cNvPr>
-          <p:cNvSpPr/>
-          <p:nvPr/>
-        </p:nvSpPr>
-        <p:spPr>
-          <a:xfrm>
-            <a:off x="6041635" y="1533622"/>
-            <a:ext cx="1880777" cy="1351853"/>
-          </a:xfrm>
-          <a:prstGeom prst="rect">
-            <a:avLst/>
-          </a:prstGeom>
-          <a:noFill/>
-          <a:ln w="19050" cap="flat" cmpd="sng">
-            <a:solidFill>
-              <a:schemeClr val="bg1">
-                <a:lumMod val="75000"/>
-              </a:schemeClr>
-            </a:solidFill>
-            <a:prstDash val="dash"/>
-            <a:round/>
-            <a:headEnd type="none" w="sm" len="sm"/>
-            <a:tailEnd type="none" w="sm" len="sm"/>
-          </a:ln>
-        </p:spPr>
-        <p:txBody>
-          <a:bodyPr spcFirstLastPara="1" wrap="square" lIns="94473" tIns="94473" rIns="94473" bIns="94473" anchor="t" anchorCtr="0">
-            <a:noAutofit/>
-          </a:bodyPr>
-          <a:lstStyle/>
-          <a:p>
-            <a:endParaRPr sz="1859" i="1">
-              <a:solidFill>
-                <a:srgbClr val="999999"/>
-              </a:solidFill>
-            </a:endParaRPr>
-          </a:p>
-        </p:txBody>
-      </p:sp>
-      <p:sp>
-        <p:nvSpPr>
-          <p:cNvPr id="162" name="Shape 802">
-            <a:extLst>
-              <a:ext uri="{FF2B5EF4-FFF2-40B4-BE49-F238E27FC236}">
-                <a16:creationId xmlns:a16="http://schemas.microsoft.com/office/drawing/2014/main" id="{D0AA67B4-2DFE-3146-899C-3238F29EF31A}"/>
+                <a16:creationId xmlns:a16="http://schemas.microsoft.com/office/drawing/2014/main" id="{B7970489-CFBB-F644-AEBA-AA9DD322FF8C}"/>
               </a:ext>
             </a:extLst>
           </p:cNvPr>
@@ -7308,50 +7419,478 @@
         </p:nvSpPr>
         <p:spPr>
           <a:xfrm>
-            <a:off x="6064480" y="1232277"/>
-            <a:ext cx="827708" cy="308296"/>
+            <a:off x="8778981" y="1225621"/>
+            <a:ext cx="523876" cy="307777"/>
           </a:xfrm>
           <a:prstGeom prst="rect">
             <a:avLst/>
           </a:prstGeom>
           <a:noFill/>
-          <a:ln>
-            <a:noFill/>
-          </a:ln>
-        </p:spPr>
-        <p:txBody>
-          <a:bodyPr spcFirstLastPara="1" wrap="square" lIns="94473" tIns="94473" rIns="94473" bIns="94473" anchor="ctr" anchorCtr="0">
-            <a:noAutofit/>
+        </p:spPr>
+        <p:txBody>
+          <a:bodyPr wrap="square" rtlCol="0">
+            <a:spAutoFit/>
           </a:bodyPr>
           <a:lstStyle/>
           <a:p>
-            <a:pPr lvl="0"/>
-            <a:r>
-              <a:rPr lang="en-US" sz="1859" i="1" dirty="0">
-                <a:solidFill>
-                  <a:schemeClr val="bg1">
-                    <a:lumMod val="65000"/>
-                  </a:schemeClr>
-                </a:solidFill>
-                <a:highlight>
-                  <a:srgbClr val="FFFFFF"/>
-                </a:highlight>
-              </a:rPr>
-              <a:t>ADCS</a:t>
-            </a:r>
-            <a:endParaRPr sz="1859" dirty="0">
+            <a:pPr algn="ctr"/>
+            <a:r>
+              <a:rPr lang="en-US" sz="1400" dirty="0"/>
+              <a:t>YES</a:t>
+            </a:r>
+          </a:p>
+        </p:txBody>
+      </p:sp>
+      <p:sp>
+        <p:nvSpPr>
+          <p:cNvPr id="209" name="TextBox 208">
+            <a:extLst>
+              <a:ext uri="{FF2B5EF4-FFF2-40B4-BE49-F238E27FC236}">
+                <a16:creationId xmlns:a16="http://schemas.microsoft.com/office/drawing/2014/main" id="{3A804E02-7B61-5D4F-AD55-4D95F6B36ADA}"/>
+              </a:ext>
+            </a:extLst>
+          </p:cNvPr>
+          <p:cNvSpPr txBox="1"/>
+          <p:nvPr/>
+        </p:nvSpPr>
+        <p:spPr>
+          <a:xfrm>
+            <a:off x="13361502" y="1748881"/>
+            <a:ext cx="523876" cy="307777"/>
+          </a:xfrm>
+          <a:prstGeom prst="rect">
+            <a:avLst/>
+          </a:prstGeom>
+          <a:noFill/>
+        </p:spPr>
+        <p:txBody>
+          <a:bodyPr wrap="square" rtlCol="0">
+            <a:spAutoFit/>
+          </a:bodyPr>
+          <a:lstStyle/>
+          <a:p>
+            <a:pPr algn="ctr"/>
+            <a:r>
+              <a:rPr lang="en-US" sz="1400" dirty="0"/>
+              <a:t>YES</a:t>
+            </a:r>
+          </a:p>
+        </p:txBody>
+      </p:sp>
+      <p:sp>
+        <p:nvSpPr>
+          <p:cNvPr id="211" name="TextBox 210">
+            <a:extLst>
+              <a:ext uri="{FF2B5EF4-FFF2-40B4-BE49-F238E27FC236}">
+                <a16:creationId xmlns:a16="http://schemas.microsoft.com/office/drawing/2014/main" id="{FF1753FA-2184-A244-B425-8058F8F176F7}"/>
+              </a:ext>
+            </a:extLst>
+          </p:cNvPr>
+          <p:cNvSpPr txBox="1"/>
+          <p:nvPr/>
+        </p:nvSpPr>
+        <p:spPr>
+          <a:xfrm>
+            <a:off x="6967526" y="2374563"/>
+            <a:ext cx="523876" cy="307777"/>
+          </a:xfrm>
+          <a:prstGeom prst="rect">
+            <a:avLst/>
+          </a:prstGeom>
+          <a:noFill/>
+        </p:spPr>
+        <p:txBody>
+          <a:bodyPr wrap="square" rtlCol="0">
+            <a:spAutoFit/>
+          </a:bodyPr>
+          <a:lstStyle/>
+          <a:p>
+            <a:pPr algn="ctr"/>
+            <a:r>
+              <a:rPr lang="en-US" sz="1400" dirty="0"/>
+              <a:t>NO</a:t>
+            </a:r>
+          </a:p>
+        </p:txBody>
+      </p:sp>
+      <p:sp>
+        <p:nvSpPr>
+          <p:cNvPr id="212" name="TextBox 211">
+            <a:extLst>
+              <a:ext uri="{FF2B5EF4-FFF2-40B4-BE49-F238E27FC236}">
+                <a16:creationId xmlns:a16="http://schemas.microsoft.com/office/drawing/2014/main" id="{3BA75BF1-F5D8-2E47-9982-37B2B7AAD391}"/>
+              </a:ext>
+            </a:extLst>
+          </p:cNvPr>
+          <p:cNvSpPr txBox="1"/>
+          <p:nvPr/>
+        </p:nvSpPr>
+        <p:spPr>
+          <a:xfrm>
+            <a:off x="6912201" y="1635547"/>
+            <a:ext cx="523876" cy="307777"/>
+          </a:xfrm>
+          <a:prstGeom prst="rect">
+            <a:avLst/>
+          </a:prstGeom>
+          <a:noFill/>
+        </p:spPr>
+        <p:txBody>
+          <a:bodyPr wrap="square" rtlCol="0">
+            <a:spAutoFit/>
+          </a:bodyPr>
+          <a:lstStyle/>
+          <a:p>
+            <a:pPr algn="ctr"/>
+            <a:r>
+              <a:rPr lang="en-US" sz="1400" dirty="0"/>
+              <a:t>YES</a:t>
+            </a:r>
+          </a:p>
+        </p:txBody>
+      </p:sp>
+      <p:cxnSp>
+        <p:nvCxnSpPr>
+          <p:cNvPr id="228" name="Shape 786">
+            <a:extLst>
+              <a:ext uri="{FF2B5EF4-FFF2-40B4-BE49-F238E27FC236}">
+                <a16:creationId xmlns:a16="http://schemas.microsoft.com/office/drawing/2014/main" id="{DA459D78-5E05-D049-8782-468710E1BEB4}"/>
+              </a:ext>
+            </a:extLst>
+          </p:cNvPr>
+          <p:cNvCxnSpPr>
+            <a:cxnSpLocks/>
+            <a:stCxn id="115" idx="1"/>
+            <a:endCxn id="143" idx="3"/>
+          </p:cNvCxnSpPr>
+          <p:nvPr/>
+        </p:nvCxnSpPr>
+        <p:spPr>
+          <a:xfrm rot="10800000" flipV="1">
+            <a:off x="10335387" y="4665109"/>
+            <a:ext cx="3669665" cy="2628292"/>
+          </a:xfrm>
+          <a:prstGeom prst="bentConnector3">
+            <a:avLst>
+              <a:gd name="adj1" fmla="val 50000"/>
+            </a:avLst>
+          </a:prstGeom>
+          <a:noFill/>
+          <a:ln w="28575" cap="flat" cmpd="sng">
+            <a:solidFill>
+              <a:srgbClr val="002060"/>
+            </a:solidFill>
+            <a:prstDash val="solid"/>
+            <a:round/>
+            <a:headEnd type="none" w="med" len="med"/>
+            <a:tailEnd type="triangle" w="med" len="med"/>
+          </a:ln>
+          <a:effectLst>
+            <a:outerShdw blurRad="50800" dist="38100" dir="2700000" algn="tl" rotWithShape="0">
+              <a:schemeClr val="tx1">
+                <a:lumMod val="50000"/>
+                <a:lumOff val="50000"/>
+                <a:alpha val="40000"/>
+              </a:schemeClr>
+            </a:outerShdw>
+          </a:effectLst>
+        </p:spPr>
+      </p:cxnSp>
+      <p:cxnSp>
+        <p:nvCxnSpPr>
+          <p:cNvPr id="280" name="Shape 786">
+            <a:extLst>
+              <a:ext uri="{FF2B5EF4-FFF2-40B4-BE49-F238E27FC236}">
+                <a16:creationId xmlns:a16="http://schemas.microsoft.com/office/drawing/2014/main" id="{F5664EA1-C1A8-F24A-9E28-B554B9853C72}"/>
+              </a:ext>
+            </a:extLst>
+          </p:cNvPr>
+          <p:cNvCxnSpPr>
+            <a:cxnSpLocks/>
+            <a:stCxn id="121" idx="2"/>
+            <a:endCxn id="133" idx="3"/>
+          </p:cNvCxnSpPr>
+          <p:nvPr/>
+        </p:nvCxnSpPr>
+        <p:spPr>
+          <a:xfrm rot="5400000">
+            <a:off x="13585562" y="7195486"/>
+            <a:ext cx="452247" cy="1698389"/>
+          </a:xfrm>
+          <a:prstGeom prst="bentConnector2">
+            <a:avLst/>
+          </a:prstGeom>
+          <a:noFill/>
+          <a:ln w="28575" cap="flat" cmpd="sng">
+            <a:solidFill>
+              <a:srgbClr val="FF0000"/>
+            </a:solidFill>
+            <a:prstDash val="solid"/>
+            <a:round/>
+            <a:headEnd type="none" w="med" len="med"/>
+            <a:tailEnd type="triangle" w="med" len="med"/>
+          </a:ln>
+          <a:effectLst>
+            <a:outerShdw blurRad="50800" dist="38100" dir="2700000" algn="tl" rotWithShape="0">
+              <a:schemeClr val="tx1">
+                <a:lumMod val="50000"/>
+                <a:lumOff val="50000"/>
+                <a:alpha val="40000"/>
+              </a:schemeClr>
+            </a:outerShdw>
+          </a:effectLst>
+        </p:spPr>
+      </p:cxnSp>
+      <p:grpSp>
+        <p:nvGrpSpPr>
+          <p:cNvPr id="291" name="Group 290">
+            <a:extLst>
+              <a:ext uri="{FF2B5EF4-FFF2-40B4-BE49-F238E27FC236}">
+                <a16:creationId xmlns:a16="http://schemas.microsoft.com/office/drawing/2014/main" id="{E150B3B0-1116-6F46-9861-5A981EBB561B}"/>
+              </a:ext>
+            </a:extLst>
+          </p:cNvPr>
+          <p:cNvGrpSpPr/>
+          <p:nvPr/>
+        </p:nvGrpSpPr>
+        <p:grpSpPr>
+          <a:xfrm>
+            <a:off x="6599188" y="6762047"/>
+            <a:ext cx="1307210" cy="1050313"/>
+            <a:chOff x="8596981" y="2766494"/>
+            <a:chExt cx="1307210" cy="1050313"/>
+          </a:xfrm>
+        </p:grpSpPr>
+        <p:sp>
+          <p:nvSpPr>
+            <p:cNvPr id="292" name="Flowchart: Decision 89">
+              <a:extLst>
+                <a:ext uri="{FF2B5EF4-FFF2-40B4-BE49-F238E27FC236}">
+                  <a16:creationId xmlns:a16="http://schemas.microsoft.com/office/drawing/2014/main" id="{7B1F01B9-7093-264F-94E8-60B25E8CBD52}"/>
+                </a:ext>
+              </a:extLst>
+            </p:cNvPr>
+            <p:cNvSpPr/>
+            <p:nvPr/>
+          </p:nvSpPr>
+          <p:spPr>
+            <a:xfrm>
+              <a:off x="8596981" y="2766494"/>
+              <a:ext cx="1307210" cy="1050313"/>
+            </a:xfrm>
+            <a:prstGeom prst="flowChartDecision">
+              <a:avLst/>
+            </a:prstGeom>
+            <a:solidFill>
+              <a:schemeClr val="accent6">
+                <a:lumMod val="20000"/>
+                <a:lumOff val="80000"/>
+              </a:schemeClr>
+            </a:solidFill>
+            <a:ln>
               <a:solidFill>
-                <a:schemeClr val="bg1">
-                  <a:lumMod val="65000"/>
+                <a:schemeClr val="accent6">
+                  <a:lumMod val="60000"/>
+                  <a:lumOff val="40000"/>
                 </a:schemeClr>
               </a:solidFill>
-              <a:highlight>
-                <a:srgbClr val="FFFFFF"/>
-              </a:highlight>
-            </a:endParaRPr>
-          </a:p>
-        </p:txBody>
-      </p:sp>
+            </a:ln>
+          </p:spPr>
+          <p:style>
+            <a:lnRef idx="2">
+              <a:schemeClr val="accent1">
+                <a:shade val="50000"/>
+              </a:schemeClr>
+            </a:lnRef>
+            <a:fillRef idx="1">
+              <a:schemeClr val="accent1"/>
+            </a:fillRef>
+            <a:effectRef idx="0">
+              <a:schemeClr val="accent1"/>
+            </a:effectRef>
+            <a:fontRef idx="minor">
+              <a:schemeClr val="lt1"/>
+            </a:fontRef>
+          </p:style>
+          <p:txBody>
+            <a:bodyPr rtlCol="0" anchor="ctr"/>
+            <a:lstStyle/>
+            <a:p>
+              <a:pPr algn="ctr"/>
+              <a:endParaRPr lang="en-US" sz="1000" b="1" dirty="0">
+                <a:solidFill>
+                  <a:schemeClr val="tx1"/>
+                </a:solidFill>
+              </a:endParaRPr>
+            </a:p>
+          </p:txBody>
+        </p:sp>
+        <p:sp>
+          <p:nvSpPr>
+            <p:cNvPr id="293" name="TextBox 292">
+              <a:extLst>
+                <a:ext uri="{FF2B5EF4-FFF2-40B4-BE49-F238E27FC236}">
+                  <a16:creationId xmlns:a16="http://schemas.microsoft.com/office/drawing/2014/main" id="{DB131F33-038E-4B4D-A235-6BC8EFFE57B7}"/>
+                </a:ext>
+              </a:extLst>
+            </p:cNvPr>
+            <p:cNvSpPr txBox="1"/>
+            <p:nvPr/>
+          </p:nvSpPr>
+          <p:spPr>
+            <a:xfrm>
+              <a:off x="8619405" y="3091594"/>
+              <a:ext cx="1273463" cy="400110"/>
+            </a:xfrm>
+            <a:prstGeom prst="rect">
+              <a:avLst/>
+            </a:prstGeom>
+            <a:noFill/>
+          </p:spPr>
+          <p:txBody>
+            <a:bodyPr wrap="square" rtlCol="0">
+              <a:spAutoFit/>
+            </a:bodyPr>
+            <a:lstStyle/>
+            <a:p>
+              <a:pPr algn="ctr"/>
+              <a:r>
+                <a:rPr lang="en-US" sz="1000" b="1" dirty="0"/>
+                <a:t>Battery Voltage above threshold?</a:t>
+              </a:r>
+              <a:endParaRPr lang="en-US" sz="1400" dirty="0"/>
+            </a:p>
+          </p:txBody>
+        </p:sp>
+      </p:grpSp>
+      <p:cxnSp>
+        <p:nvCxnSpPr>
+          <p:cNvPr id="295" name="Shape 786">
+            <a:extLst>
+              <a:ext uri="{FF2B5EF4-FFF2-40B4-BE49-F238E27FC236}">
+                <a16:creationId xmlns:a16="http://schemas.microsoft.com/office/drawing/2014/main" id="{2ECB3D2F-805B-A943-8B29-99F55F81DCB9}"/>
+              </a:ext>
+            </a:extLst>
+          </p:cNvPr>
+          <p:cNvCxnSpPr>
+            <a:cxnSpLocks/>
+            <a:stCxn id="293" idx="1"/>
+            <a:endCxn id="150" idx="3"/>
+          </p:cNvCxnSpPr>
+          <p:nvPr/>
+        </p:nvCxnSpPr>
+        <p:spPr>
+          <a:xfrm flipH="1" flipV="1">
+            <a:off x="4725929" y="7286090"/>
+            <a:ext cx="1895683" cy="1112"/>
+          </a:xfrm>
+          <a:prstGeom prst="straightConnector1">
+            <a:avLst/>
+          </a:prstGeom>
+          <a:noFill/>
+          <a:ln w="28575" cap="flat" cmpd="sng">
+            <a:solidFill>
+              <a:schemeClr val="tx2"/>
+            </a:solidFill>
+            <a:prstDash val="solid"/>
+            <a:round/>
+            <a:headEnd type="none" w="med" len="med"/>
+            <a:tailEnd type="triangle" w="med" len="med"/>
+          </a:ln>
+          <a:effectLst>
+            <a:outerShdw blurRad="50800" dist="38100" dir="2700000" algn="tl" rotWithShape="0">
+              <a:schemeClr val="tx1">
+                <a:lumMod val="50000"/>
+                <a:lumOff val="50000"/>
+                <a:alpha val="40000"/>
+              </a:schemeClr>
+            </a:outerShdw>
+          </a:effectLst>
+        </p:spPr>
+      </p:cxnSp>
+      <p:sp>
+        <p:nvSpPr>
+          <p:cNvPr id="299" name="TextBox 298">
+            <a:extLst>
+              <a:ext uri="{FF2B5EF4-FFF2-40B4-BE49-F238E27FC236}">
+                <a16:creationId xmlns:a16="http://schemas.microsoft.com/office/drawing/2014/main" id="{20FB08CC-BF99-FB47-A5F2-3815B8FD34CE}"/>
+              </a:ext>
+            </a:extLst>
+          </p:cNvPr>
+          <p:cNvSpPr txBox="1"/>
+          <p:nvPr/>
+        </p:nvSpPr>
+        <p:spPr>
+          <a:xfrm>
+            <a:off x="5975601" y="6898321"/>
+            <a:ext cx="523876" cy="307777"/>
+          </a:xfrm>
+          <a:prstGeom prst="rect">
+            <a:avLst/>
+          </a:prstGeom>
+          <a:noFill/>
+        </p:spPr>
+        <p:txBody>
+          <a:bodyPr wrap="square" rtlCol="0">
+            <a:spAutoFit/>
+          </a:bodyPr>
+          <a:lstStyle/>
+          <a:p>
+            <a:pPr algn="ctr"/>
+            <a:r>
+              <a:rPr lang="en-US" sz="1400" dirty="0"/>
+              <a:t>YES</a:t>
+            </a:r>
+          </a:p>
+        </p:txBody>
+      </p:sp>
+      <p:cxnSp>
+        <p:nvCxnSpPr>
+          <p:cNvPr id="300" name="Shape 786">
+            <a:extLst>
+              <a:ext uri="{FF2B5EF4-FFF2-40B4-BE49-F238E27FC236}">
+                <a16:creationId xmlns:a16="http://schemas.microsoft.com/office/drawing/2014/main" id="{6962C93B-539B-2A46-8081-292061DAD38F}"/>
+              </a:ext>
+            </a:extLst>
+          </p:cNvPr>
+          <p:cNvCxnSpPr>
+            <a:cxnSpLocks/>
+            <a:stCxn id="292" idx="0"/>
+            <a:endCxn id="103" idx="2"/>
+          </p:cNvCxnSpPr>
+          <p:nvPr/>
+        </p:nvCxnSpPr>
+        <p:spPr>
+          <a:xfrm rot="16200000" flipV="1">
+            <a:off x="4882289" y="4391543"/>
+            <a:ext cx="4044817" cy="696192"/>
+          </a:xfrm>
+          <a:prstGeom prst="bentConnector3">
+            <a:avLst>
+              <a:gd name="adj1" fmla="val 50000"/>
+            </a:avLst>
+          </a:prstGeom>
+          <a:noFill/>
+          <a:ln w="28575" cap="flat" cmpd="sng">
+            <a:solidFill>
+              <a:srgbClr val="002060"/>
+            </a:solidFill>
+            <a:prstDash val="solid"/>
+            <a:round/>
+            <a:headEnd type="none" w="med" len="med"/>
+            <a:tailEnd type="triangle" w="med" len="med"/>
+          </a:ln>
+          <a:effectLst>
+            <a:outerShdw blurRad="50800" dist="38100" dir="2700000" algn="tl" rotWithShape="0">
+              <a:schemeClr val="tx1">
+                <a:lumMod val="50000"/>
+                <a:lumOff val="50000"/>
+                <a:alpha val="40000"/>
+              </a:schemeClr>
+            </a:outerShdw>
+          </a:effectLst>
+        </p:spPr>
+      </p:cxnSp>
     </p:spTree>
     <p:extLst>
       <p:ext uri="{BB962C8B-B14F-4D97-AF65-F5344CB8AC3E}">

--- a/PandaSat CONOPS.pptx
+++ b/PandaSat CONOPS.pptx
@@ -5623,7 +5623,7 @@
             <a:pPr algn="ctr"/>
             <a:r>
               <a:rPr lang="en-US" sz="1000" b="1" dirty="0"/>
-              <a:t>Downlink Requested?</a:t>
+              <a:t>Downlink requested?</a:t>
             </a:r>
             <a:endParaRPr lang="en-US" sz="1400" dirty="0"/>
           </a:p>
@@ -5786,7 +5786,7 @@
             <a:pPr algn="ctr"/>
             <a:r>
               <a:rPr lang="en-US" sz="1000" b="1" dirty="0"/>
-              <a:t>Payload Operation Scheduled?</a:t>
+              <a:t>Payload operation scheduled now?</a:t>
             </a:r>
             <a:endParaRPr lang="en-US" sz="1400" dirty="0"/>
           </a:p>
@@ -6144,7 +6144,7 @@
               <a:pPr algn="ctr"/>
               <a:r>
                 <a:rPr lang="en-US" sz="1000" b="1" dirty="0"/>
-                <a:t>Battery Voltage above threshold?</a:t>
+                <a:t>Battery voltage above threshold?</a:t>
               </a:r>
               <a:endParaRPr lang="en-US" sz="1400" dirty="0"/>
             </a:p>
@@ -7755,8 +7755,12 @@
             <a:p>
               <a:pPr algn="ctr"/>
               <a:r>
+                <a:rPr lang="en-US" sz="1000" b="1"/>
+                <a:t>Battery voltage </a:t>
+              </a:r>
+              <a:r>
                 <a:rPr lang="en-US" sz="1000" b="1" dirty="0"/>
-                <a:t>Battery Voltage above threshold?</a:t>
+                <a:t>above threshold?</a:t>
               </a:r>
               <a:endParaRPr lang="en-US" sz="1400" dirty="0"/>
             </a:p>
